--- a/algorithm/算法.pptx
+++ b/algorithm/算法.pptx
@@ -9,18 +9,21 @@
     <p:notesMasterId r:id="rId6"/>
   </p:notesMasterIdLst>
   <p:handoutMasterIdLst>
-    <p:handoutMasterId r:id="rId14"/>
+    <p:handoutMasterId r:id="rId17"/>
   </p:handoutMasterIdLst>
   <p:sldIdLst>
     <p:sldId id="264" r:id="rId4"/>
-    <p:sldId id="256" r:id="rId5"/>
-    <p:sldId id="257" r:id="rId7"/>
-    <p:sldId id="258" r:id="rId8"/>
-    <p:sldId id="259" r:id="rId9"/>
-    <p:sldId id="260" r:id="rId10"/>
-    <p:sldId id="261" r:id="rId11"/>
-    <p:sldId id="262" r:id="rId12"/>
-    <p:sldId id="263" r:id="rId13"/>
+    <p:sldId id="273" r:id="rId5"/>
+    <p:sldId id="274" r:id="rId7"/>
+    <p:sldId id="275" r:id="rId8"/>
+    <p:sldId id="256" r:id="rId9"/>
+    <p:sldId id="257" r:id="rId10"/>
+    <p:sldId id="258" r:id="rId11"/>
+    <p:sldId id="259" r:id="rId12"/>
+    <p:sldId id="260" r:id="rId13"/>
+    <p:sldId id="261" r:id="rId14"/>
+    <p:sldId id="262" r:id="rId15"/>
+    <p:sldId id="263" r:id="rId16"/>
   </p:sldIdLst>
   <p:sldSz cx="12192000" cy="6858000"/>
   <p:notesSz cx="7103745" cy="10234295"/>
@@ -127,7 +130,7 @@
             <a:srgbClr val="A4A3A4"/>
           </p15:clr>
         </p15:guide>
-        <p15:guide id="2" pos="3840" userDrawn="1">
+        <p15:guide id="2" pos="3852" userDrawn="1">
           <p15:clr>
             <a:srgbClr val="A4A3A4"/>
           </p15:clr>
@@ -721,6 +724,162 @@
 </p:notes>
 </file>
 
+<file path=ppt/notesSlides/notesSlide10.xml><?xml version="1.0" encoding="utf-8"?>
+<p:notes xmlns:a="http://schemas.openxmlformats.org/drawingml/2006/main" xmlns:r="http://schemas.openxmlformats.org/officeDocument/2006/relationships" xmlns:p="http://schemas.openxmlformats.org/presentationml/2006/main">
+  <p:cSld>
+    <p:spTree>
+      <p:nvGrpSpPr>
+        <p:cNvPr id="1" name=""/>
+        <p:cNvGrpSpPr/>
+        <p:nvPr/>
+      </p:nvGrpSpPr>
+      <p:grpSpPr>
+        <a:xfrm>
+          <a:off x="0" y="0"/>
+          <a:ext cx="0" cy="0"/>
+          <a:chOff x="0" y="0"/>
+          <a:chExt cx="0" cy="0"/>
+        </a:xfrm>
+      </p:grpSpPr>
+      <p:sp>
+        <p:nvSpPr>
+          <p:cNvPr id="2" name="幻灯片图像占位符 1"/>
+          <p:cNvSpPr>
+            <a:spLocks noGrp="1" noRot="1" noChangeAspect="1"/>
+          </p:cNvSpPr>
+          <p:nvPr>
+            <p:ph type="sldImg"/>
+          </p:nvPr>
+        </p:nvSpPr>
+        <p:spPr/>
+      </p:sp>
+      <p:sp>
+        <p:nvSpPr>
+          <p:cNvPr id="3" name="备注占位符 2"/>
+          <p:cNvSpPr>
+            <a:spLocks noGrp="1"/>
+          </p:cNvSpPr>
+          <p:nvPr>
+            <p:ph type="body" idx="1"/>
+          </p:nvPr>
+        </p:nvSpPr>
+        <p:spPr/>
+        <p:txBody>
+          <a:bodyPr/>
+          <a:lstStyle/>
+          <a:p>
+            <a:endParaRPr kumimoji="1" lang="zh-CN" altLang="en-US"/>
+          </a:p>
+        </p:txBody>
+      </p:sp>
+      <p:sp>
+        <p:nvSpPr>
+          <p:cNvPr id="4" name="灯片编号占位符 3"/>
+          <p:cNvSpPr>
+            <a:spLocks noGrp="1"/>
+          </p:cNvSpPr>
+          <p:nvPr>
+            <p:ph type="sldNum" sz="quarter" idx="5"/>
+          </p:nvPr>
+        </p:nvSpPr>
+        <p:spPr/>
+        <p:txBody>
+          <a:bodyPr/>
+          <a:lstStyle/>
+          <a:p>
+            <a:fld id="{85D0DACE-38E0-42D2-9336-2B707D34BC6D}" type="slidenum">
+              <a:rPr lang="zh-CN" altLang="en-US" smtClean="0"/>
+            </a:fld>
+            <a:endParaRPr lang="zh-CN" altLang="en-US"/>
+          </a:p>
+        </p:txBody>
+      </p:sp>
+    </p:spTree>
+  </p:cSld>
+  <p:clrMapOvr>
+    <a:masterClrMapping/>
+  </p:clrMapOvr>
+</p:notes>
+</file>
+
+<file path=ppt/notesSlides/notesSlide11.xml><?xml version="1.0" encoding="utf-8"?>
+<p:notes xmlns:a="http://schemas.openxmlformats.org/drawingml/2006/main" xmlns:r="http://schemas.openxmlformats.org/officeDocument/2006/relationships" xmlns:p="http://schemas.openxmlformats.org/presentationml/2006/main">
+  <p:cSld>
+    <p:spTree>
+      <p:nvGrpSpPr>
+        <p:cNvPr id="1" name=""/>
+        <p:cNvGrpSpPr/>
+        <p:nvPr/>
+      </p:nvGrpSpPr>
+      <p:grpSpPr>
+        <a:xfrm>
+          <a:off x="0" y="0"/>
+          <a:ext cx="0" cy="0"/>
+          <a:chOff x="0" y="0"/>
+          <a:chExt cx="0" cy="0"/>
+        </a:xfrm>
+      </p:grpSpPr>
+      <p:sp>
+        <p:nvSpPr>
+          <p:cNvPr id="2" name="幻灯片图像占位符 1"/>
+          <p:cNvSpPr>
+            <a:spLocks noGrp="1" noRot="1" noChangeAspect="1"/>
+          </p:cNvSpPr>
+          <p:nvPr>
+            <p:ph type="sldImg"/>
+          </p:nvPr>
+        </p:nvSpPr>
+        <p:spPr/>
+      </p:sp>
+      <p:sp>
+        <p:nvSpPr>
+          <p:cNvPr id="3" name="备注占位符 2"/>
+          <p:cNvSpPr>
+            <a:spLocks noGrp="1"/>
+          </p:cNvSpPr>
+          <p:nvPr>
+            <p:ph type="body" idx="1"/>
+          </p:nvPr>
+        </p:nvSpPr>
+        <p:spPr/>
+        <p:txBody>
+          <a:bodyPr/>
+          <a:lstStyle/>
+          <a:p>
+            <a:endParaRPr kumimoji="1" lang="zh-CN" altLang="en-US"/>
+          </a:p>
+        </p:txBody>
+      </p:sp>
+      <p:sp>
+        <p:nvSpPr>
+          <p:cNvPr id="4" name="灯片编号占位符 3"/>
+          <p:cNvSpPr>
+            <a:spLocks noGrp="1"/>
+          </p:cNvSpPr>
+          <p:nvPr>
+            <p:ph type="sldNum" sz="quarter" idx="5"/>
+          </p:nvPr>
+        </p:nvSpPr>
+        <p:spPr/>
+        <p:txBody>
+          <a:bodyPr/>
+          <a:lstStyle/>
+          <a:p>
+            <a:fld id="{85D0DACE-38E0-42D2-9336-2B707D34BC6D}" type="slidenum">
+              <a:rPr lang="zh-CN" altLang="en-US" smtClean="0"/>
+            </a:fld>
+            <a:endParaRPr lang="zh-CN" altLang="en-US"/>
+          </a:p>
+        </p:txBody>
+      </p:sp>
+    </p:spTree>
+  </p:cSld>
+  <p:clrMapOvr>
+    <a:masterClrMapping/>
+  </p:clrMapOvr>
+</p:notes>
+</file>
+
 <file path=ppt/notesSlides/notesSlide2.xml><?xml version="1.0" encoding="utf-8"?>
 <p:notes xmlns:a="http://schemas.openxmlformats.org/drawingml/2006/main" xmlns:r="http://schemas.openxmlformats.org/officeDocument/2006/relationships" xmlns:p="http://schemas.openxmlformats.org/presentationml/2006/main">
   <p:cSld>
@@ -1190,6 +1349,84 @@
 </file>
 
 <file path=ppt/notesSlides/notesSlide8.xml><?xml version="1.0" encoding="utf-8"?>
+<p:notes xmlns:a="http://schemas.openxmlformats.org/drawingml/2006/main" xmlns:r="http://schemas.openxmlformats.org/officeDocument/2006/relationships" xmlns:p="http://schemas.openxmlformats.org/presentationml/2006/main">
+  <p:cSld>
+    <p:spTree>
+      <p:nvGrpSpPr>
+        <p:cNvPr id="1" name=""/>
+        <p:cNvGrpSpPr/>
+        <p:nvPr/>
+      </p:nvGrpSpPr>
+      <p:grpSpPr>
+        <a:xfrm>
+          <a:off x="0" y="0"/>
+          <a:ext cx="0" cy="0"/>
+          <a:chOff x="0" y="0"/>
+          <a:chExt cx="0" cy="0"/>
+        </a:xfrm>
+      </p:grpSpPr>
+      <p:sp>
+        <p:nvSpPr>
+          <p:cNvPr id="2" name="幻灯片图像占位符 1"/>
+          <p:cNvSpPr>
+            <a:spLocks noGrp="1" noRot="1" noChangeAspect="1"/>
+          </p:cNvSpPr>
+          <p:nvPr>
+            <p:ph type="sldImg"/>
+          </p:nvPr>
+        </p:nvSpPr>
+        <p:spPr/>
+      </p:sp>
+      <p:sp>
+        <p:nvSpPr>
+          <p:cNvPr id="3" name="备注占位符 2"/>
+          <p:cNvSpPr>
+            <a:spLocks noGrp="1"/>
+          </p:cNvSpPr>
+          <p:nvPr>
+            <p:ph type="body" idx="1"/>
+          </p:nvPr>
+        </p:nvSpPr>
+        <p:spPr/>
+        <p:txBody>
+          <a:bodyPr/>
+          <a:lstStyle/>
+          <a:p>
+            <a:endParaRPr kumimoji="1" lang="zh-CN" altLang="en-US"/>
+          </a:p>
+        </p:txBody>
+      </p:sp>
+      <p:sp>
+        <p:nvSpPr>
+          <p:cNvPr id="4" name="灯片编号占位符 3"/>
+          <p:cNvSpPr>
+            <a:spLocks noGrp="1"/>
+          </p:cNvSpPr>
+          <p:nvPr>
+            <p:ph type="sldNum" sz="quarter" idx="5"/>
+          </p:nvPr>
+        </p:nvSpPr>
+        <p:spPr/>
+        <p:txBody>
+          <a:bodyPr/>
+          <a:lstStyle/>
+          <a:p>
+            <a:fld id="{85D0DACE-38E0-42D2-9336-2B707D34BC6D}" type="slidenum">
+              <a:rPr lang="zh-CN" altLang="en-US" smtClean="0"/>
+            </a:fld>
+            <a:endParaRPr lang="zh-CN" altLang="en-US"/>
+          </a:p>
+        </p:txBody>
+      </p:sp>
+    </p:spTree>
+  </p:cSld>
+  <p:clrMapOvr>
+    <a:masterClrMapping/>
+  </p:clrMapOvr>
+</p:notes>
+</file>
+
+<file path=ppt/notesSlides/notesSlide9.xml><?xml version="1.0" encoding="utf-8"?>
 <p:notes xmlns:a="http://schemas.openxmlformats.org/drawingml/2006/main" xmlns:r="http://schemas.openxmlformats.org/officeDocument/2006/relationships" xmlns:p="http://schemas.openxmlformats.org/presentationml/2006/main">
   <p:cSld>
     <p:spTree>
@@ -7898,6 +8135,81 @@
 </p:sld>
 </file>
 
+<file path=ppt/slides/slide10.xml><?xml version="1.0" encoding="utf-8"?>
+<p:sld xmlns:a="http://schemas.openxmlformats.org/drawingml/2006/main" xmlns:r="http://schemas.openxmlformats.org/officeDocument/2006/relationships" xmlns:p="http://schemas.openxmlformats.org/presentationml/2006/main">
+  <p:cSld>
+    <p:spTree>
+      <p:nvGrpSpPr>
+        <p:cNvPr id="1" name=""/>
+        <p:cNvGrpSpPr/>
+        <p:nvPr/>
+      </p:nvGrpSpPr>
+      <p:grpSpPr>
+        <a:xfrm>
+          <a:off x="0" y="0"/>
+          <a:ext cx="0" cy="0"/>
+          <a:chOff x="0" y="0"/>
+          <a:chExt cx="0" cy="0"/>
+        </a:xfrm>
+      </p:grpSpPr>
+    </p:spTree>
+  </p:cSld>
+  <p:clrMapOvr>
+    <a:masterClrMapping/>
+  </p:clrMapOvr>
+</p:sld>
+</file>
+
+<file path=ppt/slides/slide11.xml><?xml version="1.0" encoding="utf-8"?>
+<p:sld xmlns:a="http://schemas.openxmlformats.org/drawingml/2006/main" xmlns:r="http://schemas.openxmlformats.org/officeDocument/2006/relationships" xmlns:p="http://schemas.openxmlformats.org/presentationml/2006/main">
+  <p:cSld>
+    <p:spTree>
+      <p:nvGrpSpPr>
+        <p:cNvPr id="1" name=""/>
+        <p:cNvGrpSpPr/>
+        <p:nvPr/>
+      </p:nvGrpSpPr>
+      <p:grpSpPr>
+        <a:xfrm>
+          <a:off x="0" y="0"/>
+          <a:ext cx="0" cy="0"/>
+          <a:chOff x="0" y="0"/>
+          <a:chExt cx="0" cy="0"/>
+        </a:xfrm>
+      </p:grpSpPr>
+    </p:spTree>
+  </p:cSld>
+  <p:clrMapOvr>
+    <a:masterClrMapping/>
+  </p:clrMapOvr>
+</p:sld>
+</file>
+
+<file path=ppt/slides/slide12.xml><?xml version="1.0" encoding="utf-8"?>
+<p:sld xmlns:a="http://schemas.openxmlformats.org/drawingml/2006/main" xmlns:r="http://schemas.openxmlformats.org/officeDocument/2006/relationships" xmlns:p="http://schemas.openxmlformats.org/presentationml/2006/main">
+  <p:cSld>
+    <p:spTree>
+      <p:nvGrpSpPr>
+        <p:cNvPr id="1" name=""/>
+        <p:cNvGrpSpPr/>
+        <p:nvPr/>
+      </p:nvGrpSpPr>
+      <p:grpSpPr>
+        <a:xfrm>
+          <a:off x="0" y="0"/>
+          <a:ext cx="0" cy="0"/>
+          <a:chOff x="0" y="0"/>
+          <a:chExt cx="0" cy="0"/>
+        </a:xfrm>
+      </p:grpSpPr>
+    </p:spTree>
+  </p:cSld>
+  <p:clrMapOvr>
+    <a:masterClrMapping/>
+  </p:clrMapOvr>
+</p:sld>
+</file>
+
 <file path=ppt/slides/slide2.xml><?xml version="1.0" encoding="utf-8"?>
 <p:sld xmlns:a="http://schemas.openxmlformats.org/drawingml/2006/main" xmlns:r="http://schemas.openxmlformats.org/officeDocument/2006/relationships" xmlns:p="http://schemas.openxmlformats.org/presentationml/2006/main">
   <p:cSld>
@@ -7915,6 +8227,1079 @@
           <a:chExt cx="0" cy="0"/>
         </a:xfrm>
       </p:grpSpPr>
+      <p:sp>
+        <p:nvSpPr>
+          <p:cNvPr id="3" name="Oval 2"/>
+          <p:cNvSpPr/>
+          <p:nvPr/>
+        </p:nvSpPr>
+        <p:spPr>
+          <a:xfrm>
+            <a:off x="5555615" y="1230630"/>
+            <a:ext cx="491490" cy="463550"/>
+          </a:xfrm>
+          <a:prstGeom prst="ellipse">
+            <a:avLst/>
+          </a:prstGeom>
+        </p:spPr>
+        <p:style>
+          <a:lnRef idx="1">
+            <a:schemeClr val="accent6"/>
+          </a:lnRef>
+          <a:fillRef idx="2">
+            <a:schemeClr val="accent6"/>
+          </a:fillRef>
+          <a:effectRef idx="1">
+            <a:schemeClr val="accent6"/>
+          </a:effectRef>
+          <a:fontRef idx="minor">
+            <a:schemeClr val="dk1"/>
+          </a:fontRef>
+        </p:style>
+        <p:txBody>
+          <a:bodyPr rtlCol="0" anchor="ctr"/>
+          <a:p>
+            <a:pPr algn="ctr"/>
+            <a:r>
+              <a:rPr lang="en-US" sz="1000" b="1">
+                <a:solidFill>
+                  <a:schemeClr val="tx1"/>
+                </a:solidFill>
+              </a:rPr>
+              <a:t>1</a:t>
+            </a:r>
+            <a:endParaRPr lang="en-US" sz="1000" b="1">
+              <a:solidFill>
+                <a:schemeClr val="tx1"/>
+              </a:solidFill>
+            </a:endParaRPr>
+          </a:p>
+        </p:txBody>
+      </p:sp>
+      <p:sp>
+        <p:nvSpPr>
+          <p:cNvPr id="4" name="Oval 3"/>
+          <p:cNvSpPr/>
+          <p:nvPr/>
+        </p:nvSpPr>
+        <p:spPr>
+          <a:xfrm>
+            <a:off x="3254375" y="2019300"/>
+            <a:ext cx="491490" cy="463550"/>
+          </a:xfrm>
+          <a:prstGeom prst="ellipse">
+            <a:avLst/>
+          </a:prstGeom>
+        </p:spPr>
+        <p:style>
+          <a:lnRef idx="1">
+            <a:schemeClr val="accent1"/>
+          </a:lnRef>
+          <a:fillRef idx="3">
+            <a:schemeClr val="accent1"/>
+          </a:fillRef>
+          <a:effectRef idx="2">
+            <a:schemeClr val="accent1"/>
+          </a:effectRef>
+          <a:fontRef idx="minor">
+            <a:schemeClr val="lt1"/>
+          </a:fontRef>
+        </p:style>
+        <p:txBody>
+          <a:bodyPr rtlCol="0" anchor="ctr"/>
+          <a:p>
+            <a:pPr algn="ctr"/>
+            <a:r>
+              <a:rPr lang="en-US" sz="1000" b="1">
+                <a:solidFill>
+                  <a:schemeClr val="tx1"/>
+                </a:solidFill>
+              </a:rPr>
+              <a:t>2</a:t>
+            </a:r>
+            <a:endParaRPr lang="en-US" sz="1000" b="1">
+              <a:solidFill>
+                <a:schemeClr val="tx1"/>
+              </a:solidFill>
+            </a:endParaRPr>
+          </a:p>
+        </p:txBody>
+      </p:sp>
+      <p:sp>
+        <p:nvSpPr>
+          <p:cNvPr id="6" name="Oval 5"/>
+          <p:cNvSpPr/>
+          <p:nvPr/>
+        </p:nvSpPr>
+        <p:spPr>
+          <a:xfrm>
+            <a:off x="8600440" y="2019300"/>
+            <a:ext cx="491490" cy="463550"/>
+          </a:xfrm>
+          <a:prstGeom prst="ellipse">
+            <a:avLst/>
+          </a:prstGeom>
+        </p:spPr>
+        <p:style>
+          <a:lnRef idx="1">
+            <a:schemeClr val="accent1"/>
+          </a:lnRef>
+          <a:fillRef idx="3">
+            <a:schemeClr val="accent1"/>
+          </a:fillRef>
+          <a:effectRef idx="2">
+            <a:schemeClr val="accent1"/>
+          </a:effectRef>
+          <a:fontRef idx="minor">
+            <a:schemeClr val="lt1"/>
+          </a:fontRef>
+        </p:style>
+        <p:txBody>
+          <a:bodyPr rtlCol="0" anchor="ctr"/>
+          <a:p>
+            <a:pPr algn="ctr"/>
+            <a:r>
+              <a:rPr lang="en-US" sz="1000" b="1">
+                <a:solidFill>
+                  <a:schemeClr val="tx1"/>
+                </a:solidFill>
+              </a:rPr>
+              <a:t>3</a:t>
+            </a:r>
+            <a:endParaRPr lang="en-US" sz="1000" b="1">
+              <a:solidFill>
+                <a:schemeClr val="tx1"/>
+              </a:solidFill>
+            </a:endParaRPr>
+          </a:p>
+        </p:txBody>
+      </p:sp>
+      <p:sp>
+        <p:nvSpPr>
+          <p:cNvPr id="7" name="Oval 6"/>
+          <p:cNvSpPr/>
+          <p:nvPr/>
+        </p:nvSpPr>
+        <p:spPr>
+          <a:xfrm>
+            <a:off x="1764030" y="2710180"/>
+            <a:ext cx="491490" cy="463550"/>
+          </a:xfrm>
+          <a:prstGeom prst="ellipse">
+            <a:avLst/>
+          </a:prstGeom>
+        </p:spPr>
+        <p:style>
+          <a:lnRef idx="1">
+            <a:schemeClr val="accent5"/>
+          </a:lnRef>
+          <a:fillRef idx="2">
+            <a:schemeClr val="accent5"/>
+          </a:fillRef>
+          <a:effectRef idx="1">
+            <a:schemeClr val="accent5"/>
+          </a:effectRef>
+          <a:fontRef idx="minor">
+            <a:schemeClr val="dk1"/>
+          </a:fontRef>
+        </p:style>
+        <p:txBody>
+          <a:bodyPr rtlCol="0" anchor="ctr"/>
+          <a:p>
+            <a:pPr algn="ctr"/>
+            <a:r>
+              <a:rPr lang="en-US" sz="1000" b="1">
+                <a:solidFill>
+                  <a:schemeClr val="tx1"/>
+                </a:solidFill>
+              </a:rPr>
+              <a:t>4</a:t>
+            </a:r>
+            <a:endParaRPr lang="en-US" sz="1000" b="1">
+              <a:solidFill>
+                <a:schemeClr val="tx1"/>
+              </a:solidFill>
+            </a:endParaRPr>
+          </a:p>
+        </p:txBody>
+      </p:sp>
+      <p:sp>
+        <p:nvSpPr>
+          <p:cNvPr id="9" name="Oval 8"/>
+          <p:cNvSpPr/>
+          <p:nvPr/>
+        </p:nvSpPr>
+        <p:spPr>
+          <a:xfrm>
+            <a:off x="7078345" y="2710180"/>
+            <a:ext cx="491490" cy="463550"/>
+          </a:xfrm>
+          <a:prstGeom prst="ellipse">
+            <a:avLst/>
+          </a:prstGeom>
+        </p:spPr>
+        <p:style>
+          <a:lnRef idx="1">
+            <a:schemeClr val="accent5"/>
+          </a:lnRef>
+          <a:fillRef idx="2">
+            <a:schemeClr val="accent5"/>
+          </a:fillRef>
+          <a:effectRef idx="1">
+            <a:schemeClr val="accent5"/>
+          </a:effectRef>
+          <a:fontRef idx="minor">
+            <a:schemeClr val="dk1"/>
+          </a:fontRef>
+        </p:style>
+        <p:txBody>
+          <a:bodyPr rtlCol="0" anchor="ctr"/>
+          <a:p>
+            <a:pPr algn="ctr"/>
+            <a:r>
+              <a:rPr lang="en-US" sz="1000" b="1">
+                <a:solidFill>
+                  <a:schemeClr val="tx1"/>
+                </a:solidFill>
+              </a:rPr>
+              <a:t>5</a:t>
+            </a:r>
+            <a:endParaRPr lang="en-US" sz="1000" b="1">
+              <a:solidFill>
+                <a:schemeClr val="tx1"/>
+              </a:solidFill>
+            </a:endParaRPr>
+          </a:p>
+        </p:txBody>
+      </p:sp>
+      <p:sp>
+        <p:nvSpPr>
+          <p:cNvPr id="10" name="Oval 9"/>
+          <p:cNvSpPr/>
+          <p:nvPr/>
+        </p:nvSpPr>
+        <p:spPr>
+          <a:xfrm>
+            <a:off x="10198735" y="2710180"/>
+            <a:ext cx="491490" cy="463550"/>
+          </a:xfrm>
+          <a:prstGeom prst="ellipse">
+            <a:avLst/>
+          </a:prstGeom>
+        </p:spPr>
+        <p:style>
+          <a:lnRef idx="1">
+            <a:schemeClr val="accent5"/>
+          </a:lnRef>
+          <a:fillRef idx="2">
+            <a:schemeClr val="accent5"/>
+          </a:fillRef>
+          <a:effectRef idx="1">
+            <a:schemeClr val="accent5"/>
+          </a:effectRef>
+          <a:fontRef idx="minor">
+            <a:schemeClr val="dk1"/>
+          </a:fontRef>
+        </p:style>
+        <p:txBody>
+          <a:bodyPr rtlCol="0" anchor="ctr"/>
+          <a:p>
+            <a:pPr algn="ctr"/>
+            <a:r>
+              <a:rPr lang="en-US" sz="1000" b="1">
+                <a:solidFill>
+                  <a:schemeClr val="tx1"/>
+                </a:solidFill>
+              </a:rPr>
+              <a:t>6</a:t>
+            </a:r>
+            <a:endParaRPr lang="en-US" sz="1000" b="1">
+              <a:solidFill>
+                <a:schemeClr val="tx1"/>
+              </a:solidFill>
+            </a:endParaRPr>
+          </a:p>
+        </p:txBody>
+      </p:sp>
+      <p:sp>
+        <p:nvSpPr>
+          <p:cNvPr id="11" name="Oval 10"/>
+          <p:cNvSpPr/>
+          <p:nvPr/>
+        </p:nvSpPr>
+        <p:spPr>
+          <a:xfrm>
+            <a:off x="446405" y="3389630"/>
+            <a:ext cx="491490" cy="463550"/>
+          </a:xfrm>
+          <a:prstGeom prst="ellipse">
+            <a:avLst/>
+          </a:prstGeom>
+        </p:spPr>
+        <p:style>
+          <a:lnRef idx="1">
+            <a:schemeClr val="accent4"/>
+          </a:lnRef>
+          <a:fillRef idx="2">
+            <a:schemeClr val="accent4"/>
+          </a:fillRef>
+          <a:effectRef idx="1">
+            <a:schemeClr val="accent4"/>
+          </a:effectRef>
+          <a:fontRef idx="minor">
+            <a:schemeClr val="dk1"/>
+          </a:fontRef>
+        </p:style>
+        <p:txBody>
+          <a:bodyPr rtlCol="0" anchor="ctr"/>
+          <a:p>
+            <a:pPr algn="ctr"/>
+            <a:r>
+              <a:rPr lang="en-US" sz="1000" b="1">
+                <a:solidFill>
+                  <a:schemeClr val="tx1"/>
+                </a:solidFill>
+              </a:rPr>
+              <a:t>7</a:t>
+            </a:r>
+            <a:endParaRPr lang="en-US" sz="1000" b="1">
+              <a:solidFill>
+                <a:schemeClr val="tx1"/>
+              </a:solidFill>
+            </a:endParaRPr>
+          </a:p>
+        </p:txBody>
+      </p:sp>
+      <p:sp>
+        <p:nvSpPr>
+          <p:cNvPr id="12" name="Oval 11"/>
+          <p:cNvSpPr/>
+          <p:nvPr/>
+        </p:nvSpPr>
+        <p:spPr>
+          <a:xfrm>
+            <a:off x="3122295" y="3394075"/>
+            <a:ext cx="491490" cy="463550"/>
+          </a:xfrm>
+          <a:prstGeom prst="ellipse">
+            <a:avLst/>
+          </a:prstGeom>
+        </p:spPr>
+        <p:style>
+          <a:lnRef idx="1">
+            <a:schemeClr val="accent4"/>
+          </a:lnRef>
+          <a:fillRef idx="2">
+            <a:schemeClr val="accent4"/>
+          </a:fillRef>
+          <a:effectRef idx="1">
+            <a:schemeClr val="accent4"/>
+          </a:effectRef>
+          <a:fontRef idx="minor">
+            <a:schemeClr val="dk1"/>
+          </a:fontRef>
+        </p:style>
+        <p:txBody>
+          <a:bodyPr rtlCol="0" anchor="ctr"/>
+          <a:p>
+            <a:pPr algn="ctr"/>
+            <a:r>
+              <a:rPr lang="en-US" sz="1000" b="1">
+                <a:solidFill>
+                  <a:schemeClr val="tx1"/>
+                </a:solidFill>
+              </a:rPr>
+              <a:t>8</a:t>
+            </a:r>
+            <a:endParaRPr lang="en-US" sz="1000" b="1">
+              <a:solidFill>
+                <a:schemeClr val="tx1"/>
+              </a:solidFill>
+            </a:endParaRPr>
+          </a:p>
+        </p:txBody>
+      </p:sp>
+      <p:sp>
+        <p:nvSpPr>
+          <p:cNvPr id="13" name="Oval 12"/>
+          <p:cNvSpPr/>
+          <p:nvPr/>
+        </p:nvSpPr>
+        <p:spPr>
+          <a:xfrm>
+            <a:off x="5798185" y="3394075"/>
+            <a:ext cx="491490" cy="463550"/>
+          </a:xfrm>
+          <a:prstGeom prst="ellipse">
+            <a:avLst/>
+          </a:prstGeom>
+        </p:spPr>
+        <p:style>
+          <a:lnRef idx="1">
+            <a:schemeClr val="accent4"/>
+          </a:lnRef>
+          <a:fillRef idx="2">
+            <a:schemeClr val="accent4"/>
+          </a:fillRef>
+          <a:effectRef idx="1">
+            <a:schemeClr val="accent4"/>
+          </a:effectRef>
+          <a:fontRef idx="minor">
+            <a:schemeClr val="dk1"/>
+          </a:fontRef>
+        </p:style>
+        <p:txBody>
+          <a:bodyPr rtlCol="0" anchor="ctr"/>
+          <a:p>
+            <a:pPr algn="ctr"/>
+            <a:r>
+              <a:rPr lang="en-US" sz="1000" b="1">
+                <a:solidFill>
+                  <a:schemeClr val="tx1"/>
+                </a:solidFill>
+              </a:rPr>
+              <a:t>9</a:t>
+            </a:r>
+            <a:endParaRPr lang="en-US" sz="1000" b="1">
+              <a:solidFill>
+                <a:schemeClr val="tx1"/>
+              </a:solidFill>
+            </a:endParaRPr>
+          </a:p>
+        </p:txBody>
+      </p:sp>
+      <p:sp>
+        <p:nvSpPr>
+          <p:cNvPr id="14" name="Oval 13"/>
+          <p:cNvSpPr/>
+          <p:nvPr/>
+        </p:nvSpPr>
+        <p:spPr>
+          <a:xfrm>
+            <a:off x="8117840" y="3389630"/>
+            <a:ext cx="491490" cy="463550"/>
+          </a:xfrm>
+          <a:prstGeom prst="ellipse">
+            <a:avLst/>
+          </a:prstGeom>
+        </p:spPr>
+        <p:style>
+          <a:lnRef idx="1">
+            <a:schemeClr val="accent4"/>
+          </a:lnRef>
+          <a:fillRef idx="2">
+            <a:schemeClr val="accent4"/>
+          </a:fillRef>
+          <a:effectRef idx="1">
+            <a:schemeClr val="accent4"/>
+          </a:effectRef>
+          <a:fontRef idx="minor">
+            <a:schemeClr val="dk1"/>
+          </a:fontRef>
+        </p:style>
+        <p:txBody>
+          <a:bodyPr rtlCol="0" anchor="ctr"/>
+          <a:p>
+            <a:pPr algn="ctr"/>
+            <a:r>
+              <a:rPr lang="en-US" sz="1000" b="1">
+                <a:solidFill>
+                  <a:schemeClr val="tx1"/>
+                </a:solidFill>
+              </a:rPr>
+              <a:t>11</a:t>
+            </a:r>
+            <a:endParaRPr lang="en-US" sz="1000" b="1">
+              <a:solidFill>
+                <a:schemeClr val="tx1"/>
+              </a:solidFill>
+            </a:endParaRPr>
+          </a:p>
+        </p:txBody>
+      </p:sp>
+      <p:sp>
+        <p:nvSpPr>
+          <p:cNvPr id="16" name="Oval 15"/>
+          <p:cNvSpPr/>
+          <p:nvPr/>
+        </p:nvSpPr>
+        <p:spPr>
+          <a:xfrm>
+            <a:off x="9438640" y="3394075"/>
+            <a:ext cx="491490" cy="463550"/>
+          </a:xfrm>
+          <a:prstGeom prst="ellipse">
+            <a:avLst/>
+          </a:prstGeom>
+        </p:spPr>
+        <p:style>
+          <a:lnRef idx="1">
+            <a:schemeClr val="accent4"/>
+          </a:lnRef>
+          <a:fillRef idx="2">
+            <a:schemeClr val="accent4"/>
+          </a:fillRef>
+          <a:effectRef idx="1">
+            <a:schemeClr val="accent4"/>
+          </a:effectRef>
+          <a:fontRef idx="minor">
+            <a:schemeClr val="dk1"/>
+          </a:fontRef>
+        </p:style>
+        <p:txBody>
+          <a:bodyPr rtlCol="0" anchor="ctr"/>
+          <a:p>
+            <a:pPr algn="ctr"/>
+            <a:r>
+              <a:rPr lang="en-US" sz="1000" b="1">
+                <a:solidFill>
+                  <a:schemeClr val="tx1"/>
+                </a:solidFill>
+              </a:rPr>
+              <a:t>12</a:t>
+            </a:r>
+            <a:endParaRPr lang="en-US" sz="1000" b="1">
+              <a:solidFill>
+                <a:schemeClr val="tx1"/>
+              </a:solidFill>
+            </a:endParaRPr>
+          </a:p>
+        </p:txBody>
+      </p:sp>
+      <p:cxnSp>
+        <p:nvCxnSpPr>
+          <p:cNvPr id="23" name="Straight Connector 22"/>
+          <p:cNvCxnSpPr>
+            <a:stCxn id="3" idx="4"/>
+            <a:endCxn id="4" idx="0"/>
+          </p:cNvCxnSpPr>
+          <p:nvPr/>
+        </p:nvCxnSpPr>
+        <p:spPr>
+          <a:xfrm flipH="1">
+            <a:off x="3500120" y="1694180"/>
+            <a:ext cx="2301240" cy="325120"/>
+          </a:xfrm>
+          <a:prstGeom prst="line">
+            <a:avLst/>
+          </a:prstGeom>
+        </p:spPr>
+        <p:style>
+          <a:lnRef idx="1">
+            <a:schemeClr val="dk1"/>
+          </a:lnRef>
+          <a:fillRef idx="0">
+            <a:schemeClr val="dk1"/>
+          </a:fillRef>
+          <a:effectRef idx="0">
+            <a:schemeClr val="dk1"/>
+          </a:effectRef>
+          <a:fontRef idx="minor">
+            <a:schemeClr val="tx1"/>
+          </a:fontRef>
+        </p:style>
+      </p:cxnSp>
+      <p:cxnSp>
+        <p:nvCxnSpPr>
+          <p:cNvPr id="24" name="Straight Connector 23"/>
+          <p:cNvCxnSpPr>
+            <a:stCxn id="6" idx="4"/>
+            <a:endCxn id="9" idx="0"/>
+          </p:cNvCxnSpPr>
+          <p:nvPr/>
+        </p:nvCxnSpPr>
+        <p:spPr>
+          <a:xfrm flipH="1">
+            <a:off x="7324090" y="2482850"/>
+            <a:ext cx="1522095" cy="227330"/>
+          </a:xfrm>
+          <a:prstGeom prst="line">
+            <a:avLst/>
+          </a:prstGeom>
+        </p:spPr>
+        <p:style>
+          <a:lnRef idx="1">
+            <a:schemeClr val="dk1"/>
+          </a:lnRef>
+          <a:fillRef idx="0">
+            <a:schemeClr val="dk1"/>
+          </a:fillRef>
+          <a:effectRef idx="0">
+            <a:schemeClr val="dk1"/>
+          </a:effectRef>
+          <a:fontRef idx="minor">
+            <a:schemeClr val="tx1"/>
+          </a:fontRef>
+        </p:style>
+      </p:cxnSp>
+      <p:cxnSp>
+        <p:nvCxnSpPr>
+          <p:cNvPr id="25" name="Straight Connector 24"/>
+          <p:cNvCxnSpPr>
+            <a:stCxn id="6" idx="0"/>
+            <a:endCxn id="3" idx="4"/>
+          </p:cNvCxnSpPr>
+          <p:nvPr/>
+        </p:nvCxnSpPr>
+        <p:spPr>
+          <a:xfrm flipH="1" flipV="1">
+            <a:off x="5801360" y="1694180"/>
+            <a:ext cx="3044825" cy="325120"/>
+          </a:xfrm>
+          <a:prstGeom prst="line">
+            <a:avLst/>
+          </a:prstGeom>
+        </p:spPr>
+        <p:style>
+          <a:lnRef idx="1">
+            <a:schemeClr val="dk1"/>
+          </a:lnRef>
+          <a:fillRef idx="0">
+            <a:schemeClr val="dk1"/>
+          </a:fillRef>
+          <a:effectRef idx="0">
+            <a:schemeClr val="dk1"/>
+          </a:effectRef>
+          <a:fontRef idx="minor">
+            <a:schemeClr val="tx1"/>
+          </a:fontRef>
+        </p:style>
+      </p:cxnSp>
+      <p:cxnSp>
+        <p:nvCxnSpPr>
+          <p:cNvPr id="26" name="Straight Connector 25"/>
+          <p:cNvCxnSpPr>
+            <a:stCxn id="9" idx="4"/>
+            <a:endCxn id="13" idx="0"/>
+          </p:cNvCxnSpPr>
+          <p:nvPr/>
+        </p:nvCxnSpPr>
+        <p:spPr>
+          <a:xfrm flipH="1">
+            <a:off x="6043930" y="3173730"/>
+            <a:ext cx="1280160" cy="220345"/>
+          </a:xfrm>
+          <a:prstGeom prst="line">
+            <a:avLst/>
+          </a:prstGeom>
+        </p:spPr>
+        <p:style>
+          <a:lnRef idx="1">
+            <a:schemeClr val="dk1"/>
+          </a:lnRef>
+          <a:fillRef idx="0">
+            <a:schemeClr val="dk1"/>
+          </a:fillRef>
+          <a:effectRef idx="0">
+            <a:schemeClr val="dk1"/>
+          </a:effectRef>
+          <a:fontRef idx="minor">
+            <a:schemeClr val="tx1"/>
+          </a:fontRef>
+        </p:style>
+      </p:cxnSp>
+      <p:cxnSp>
+        <p:nvCxnSpPr>
+          <p:cNvPr id="27" name="Straight Connector 26"/>
+          <p:cNvCxnSpPr>
+            <a:stCxn id="7" idx="4"/>
+            <a:endCxn id="12" idx="0"/>
+          </p:cNvCxnSpPr>
+          <p:nvPr/>
+        </p:nvCxnSpPr>
+        <p:spPr>
+          <a:xfrm>
+            <a:off x="2009775" y="3173730"/>
+            <a:ext cx="1358265" cy="220345"/>
+          </a:xfrm>
+          <a:prstGeom prst="line">
+            <a:avLst/>
+          </a:prstGeom>
+        </p:spPr>
+        <p:style>
+          <a:lnRef idx="1">
+            <a:schemeClr val="dk1"/>
+          </a:lnRef>
+          <a:fillRef idx="0">
+            <a:schemeClr val="dk1"/>
+          </a:fillRef>
+          <a:effectRef idx="0">
+            <a:schemeClr val="dk1"/>
+          </a:effectRef>
+          <a:fontRef idx="minor">
+            <a:schemeClr val="tx1"/>
+          </a:fontRef>
+        </p:style>
+      </p:cxnSp>
+      <p:cxnSp>
+        <p:nvCxnSpPr>
+          <p:cNvPr id="28" name="Straight Connector 27"/>
+          <p:cNvCxnSpPr>
+            <a:stCxn id="7" idx="4"/>
+            <a:endCxn id="11" idx="0"/>
+          </p:cNvCxnSpPr>
+          <p:nvPr/>
+        </p:nvCxnSpPr>
+        <p:spPr>
+          <a:xfrm flipH="1">
+            <a:off x="692150" y="3173730"/>
+            <a:ext cx="1317625" cy="215900"/>
+          </a:xfrm>
+          <a:prstGeom prst="line">
+            <a:avLst/>
+          </a:prstGeom>
+        </p:spPr>
+        <p:style>
+          <a:lnRef idx="1">
+            <a:schemeClr val="dk1"/>
+          </a:lnRef>
+          <a:fillRef idx="0">
+            <a:schemeClr val="dk1"/>
+          </a:fillRef>
+          <a:effectRef idx="0">
+            <a:schemeClr val="dk1"/>
+          </a:effectRef>
+          <a:fontRef idx="minor">
+            <a:schemeClr val="tx1"/>
+          </a:fontRef>
+        </p:style>
+      </p:cxnSp>
+      <p:cxnSp>
+        <p:nvCxnSpPr>
+          <p:cNvPr id="29" name="Straight Connector 28"/>
+          <p:cNvCxnSpPr>
+            <a:stCxn id="4" idx="4"/>
+            <a:endCxn id="7" idx="0"/>
+          </p:cNvCxnSpPr>
+          <p:nvPr/>
+        </p:nvCxnSpPr>
+        <p:spPr>
+          <a:xfrm flipH="1">
+            <a:off x="2009775" y="2482850"/>
+            <a:ext cx="1490345" cy="227330"/>
+          </a:xfrm>
+          <a:prstGeom prst="line">
+            <a:avLst/>
+          </a:prstGeom>
+        </p:spPr>
+        <p:style>
+          <a:lnRef idx="1">
+            <a:schemeClr val="dk1"/>
+          </a:lnRef>
+          <a:fillRef idx="0">
+            <a:schemeClr val="dk1"/>
+          </a:fillRef>
+          <a:effectRef idx="0">
+            <a:schemeClr val="dk1"/>
+          </a:effectRef>
+          <a:fontRef idx="minor">
+            <a:schemeClr val="tx1"/>
+          </a:fontRef>
+        </p:style>
+      </p:cxnSp>
+      <p:cxnSp>
+        <p:nvCxnSpPr>
+          <p:cNvPr id="30" name="Straight Connector 29"/>
+          <p:cNvCxnSpPr>
+            <a:stCxn id="9" idx="4"/>
+            <a:endCxn id="14" idx="0"/>
+          </p:cNvCxnSpPr>
+          <p:nvPr/>
+        </p:nvCxnSpPr>
+        <p:spPr>
+          <a:xfrm>
+            <a:off x="7324090" y="3173730"/>
+            <a:ext cx="1039495" cy="215900"/>
+          </a:xfrm>
+          <a:prstGeom prst="line">
+            <a:avLst/>
+          </a:prstGeom>
+        </p:spPr>
+        <p:style>
+          <a:lnRef idx="1">
+            <a:schemeClr val="dk1"/>
+          </a:lnRef>
+          <a:fillRef idx="0">
+            <a:schemeClr val="dk1"/>
+          </a:fillRef>
+          <a:effectRef idx="0">
+            <a:schemeClr val="dk1"/>
+          </a:effectRef>
+          <a:fontRef idx="minor">
+            <a:schemeClr val="tx1"/>
+          </a:fontRef>
+        </p:style>
+      </p:cxnSp>
+      <p:cxnSp>
+        <p:nvCxnSpPr>
+          <p:cNvPr id="31" name="Straight Connector 30"/>
+          <p:cNvCxnSpPr>
+            <a:stCxn id="6" idx="4"/>
+            <a:endCxn id="10" idx="0"/>
+          </p:cNvCxnSpPr>
+          <p:nvPr/>
+        </p:nvCxnSpPr>
+        <p:spPr>
+          <a:xfrm>
+            <a:off x="8846185" y="2482850"/>
+            <a:ext cx="1598295" cy="227330"/>
+          </a:xfrm>
+          <a:prstGeom prst="line">
+            <a:avLst/>
+          </a:prstGeom>
+        </p:spPr>
+        <p:style>
+          <a:lnRef idx="1">
+            <a:schemeClr val="dk1"/>
+          </a:lnRef>
+          <a:fillRef idx="0">
+            <a:schemeClr val="dk1"/>
+          </a:fillRef>
+          <a:effectRef idx="0">
+            <a:schemeClr val="dk1"/>
+          </a:effectRef>
+          <a:fontRef idx="minor">
+            <a:schemeClr val="tx1"/>
+          </a:fontRef>
+        </p:style>
+      </p:cxnSp>
+      <p:cxnSp>
+        <p:nvCxnSpPr>
+          <p:cNvPr id="32" name="Straight Connector 31"/>
+          <p:cNvCxnSpPr>
+            <a:stCxn id="16" idx="0"/>
+            <a:endCxn id="10" idx="4"/>
+          </p:cNvCxnSpPr>
+          <p:nvPr/>
+        </p:nvCxnSpPr>
+        <p:spPr>
+          <a:xfrm flipV="1">
+            <a:off x="9684385" y="3173730"/>
+            <a:ext cx="760095" cy="220345"/>
+          </a:xfrm>
+          <a:prstGeom prst="line">
+            <a:avLst/>
+          </a:prstGeom>
+        </p:spPr>
+        <p:style>
+          <a:lnRef idx="1">
+            <a:schemeClr val="dk1"/>
+          </a:lnRef>
+          <a:fillRef idx="0">
+            <a:schemeClr val="dk1"/>
+          </a:fillRef>
+          <a:effectRef idx="0">
+            <a:schemeClr val="dk1"/>
+          </a:effectRef>
+          <a:fontRef idx="minor">
+            <a:schemeClr val="tx1"/>
+          </a:fontRef>
+        </p:style>
+      </p:cxnSp>
+      <p:sp>
+        <p:nvSpPr>
+          <p:cNvPr id="5" name="Text Box 4"/>
+          <p:cNvSpPr txBox="1"/>
+          <p:nvPr/>
+        </p:nvSpPr>
+        <p:spPr>
+          <a:xfrm>
+            <a:off x="4316730" y="2084070"/>
+            <a:ext cx="2435860" cy="398780"/>
+          </a:xfrm>
+          <a:prstGeom prst="rect">
+            <a:avLst/>
+          </a:prstGeom>
+          <a:noFill/>
+        </p:spPr>
+        <p:txBody>
+          <a:bodyPr wrap="square" rtlCol="0">
+            <a:spAutoFit/>
+          </a:bodyPr>
+          <a:p>
+            <a:r>
+              <a:rPr lang="en-US" altLang="zh-CN" sz="1000" b="1">
+                <a:solidFill>
+                  <a:srgbClr val="C00000"/>
+                </a:solidFill>
+              </a:rPr>
+              <a:t>                  </a:t>
+            </a:r>
+            <a:r>
+              <a:rPr lang="zh-CN" altLang="en-US" sz="1000" b="1">
+                <a:solidFill>
+                  <a:srgbClr val="C00000"/>
+                </a:solidFill>
+              </a:rPr>
+              <a:t>前序遍历</a:t>
+            </a:r>
+            <a:endParaRPr lang="zh-CN" altLang="en-US" sz="1000" b="1">
+              <a:solidFill>
+                <a:srgbClr val="C00000"/>
+              </a:solidFill>
+            </a:endParaRPr>
+          </a:p>
+          <a:p>
+            <a:r>
+              <a:rPr lang="en-US" altLang="zh-CN" sz="1000" b="1">
+                <a:solidFill>
+                  <a:srgbClr val="C00000"/>
+                </a:solidFill>
+              </a:rPr>
+              <a:t>1</a:t>
+            </a:r>
+            <a:r>
+              <a:rPr lang="zh-CN" altLang="en-US" sz="1000" b="1">
+                <a:solidFill>
+                  <a:srgbClr val="C00000"/>
+                </a:solidFill>
+              </a:rPr>
+              <a:t>，</a:t>
+            </a:r>
+            <a:r>
+              <a:rPr lang="en-US" altLang="zh-CN" sz="1000" b="1">
+                <a:solidFill>
+                  <a:srgbClr val="C00000"/>
+                </a:solidFill>
+              </a:rPr>
+              <a:t>2</a:t>
+            </a:r>
+            <a:r>
+              <a:rPr lang="zh-CN" altLang="en-US" sz="1000" b="1">
+                <a:solidFill>
+                  <a:srgbClr val="C00000"/>
+                </a:solidFill>
+              </a:rPr>
+              <a:t>，</a:t>
+            </a:r>
+            <a:r>
+              <a:rPr lang="en-US" altLang="zh-CN" sz="1000" b="1">
+                <a:solidFill>
+                  <a:srgbClr val="C00000"/>
+                </a:solidFill>
+              </a:rPr>
+              <a:t>4</a:t>
+            </a:r>
+            <a:r>
+              <a:rPr lang="zh-CN" altLang="en-US" sz="1000" b="1">
+                <a:solidFill>
+                  <a:srgbClr val="C00000"/>
+                </a:solidFill>
+              </a:rPr>
+              <a:t>，</a:t>
+            </a:r>
+            <a:r>
+              <a:rPr lang="en-US" altLang="zh-CN" sz="1000" b="1">
+                <a:solidFill>
+                  <a:srgbClr val="C00000"/>
+                </a:solidFill>
+              </a:rPr>
+              <a:t>7</a:t>
+            </a:r>
+            <a:r>
+              <a:rPr lang="zh-CN" altLang="en-US" sz="1000" b="1">
+                <a:solidFill>
+                  <a:srgbClr val="C00000"/>
+                </a:solidFill>
+              </a:rPr>
+              <a:t>，</a:t>
+            </a:r>
+            <a:r>
+              <a:rPr lang="en-US" altLang="zh-CN" sz="1000" b="1">
+                <a:solidFill>
+                  <a:srgbClr val="C00000"/>
+                </a:solidFill>
+              </a:rPr>
+              <a:t>8    3</a:t>
+            </a:r>
+            <a:r>
+              <a:rPr lang="zh-CN" altLang="en-US" sz="1000" b="1">
+                <a:solidFill>
+                  <a:srgbClr val="C00000"/>
+                </a:solidFill>
+              </a:rPr>
+              <a:t>，</a:t>
+            </a:r>
+            <a:r>
+              <a:rPr lang="en-US" altLang="zh-CN" sz="1000" b="1">
+                <a:solidFill>
+                  <a:srgbClr val="C00000"/>
+                </a:solidFill>
+              </a:rPr>
+              <a:t>5</a:t>
+            </a:r>
+            <a:r>
+              <a:rPr lang="zh-CN" altLang="en-US" sz="1000" b="1">
+                <a:solidFill>
+                  <a:srgbClr val="C00000"/>
+                </a:solidFill>
+              </a:rPr>
+              <a:t>，</a:t>
+            </a:r>
+            <a:r>
+              <a:rPr lang="en-US" altLang="zh-CN" sz="1000" b="1">
+                <a:solidFill>
+                  <a:srgbClr val="C00000"/>
+                </a:solidFill>
+              </a:rPr>
+              <a:t>9</a:t>
+            </a:r>
+            <a:r>
+              <a:rPr lang="zh-CN" altLang="en-US" sz="1000" b="1">
+                <a:solidFill>
+                  <a:srgbClr val="C00000"/>
+                </a:solidFill>
+              </a:rPr>
+              <a:t>，</a:t>
+            </a:r>
+            <a:r>
+              <a:rPr lang="en-US" altLang="zh-CN" sz="1000" b="1">
+                <a:solidFill>
+                  <a:srgbClr val="C00000"/>
+                </a:solidFill>
+              </a:rPr>
+              <a:t>11</a:t>
+            </a:r>
+            <a:r>
+              <a:rPr lang="zh-CN" altLang="en-US" sz="1000" b="1">
+                <a:solidFill>
+                  <a:srgbClr val="C00000"/>
+                </a:solidFill>
+              </a:rPr>
+              <a:t>，</a:t>
+            </a:r>
+            <a:r>
+              <a:rPr lang="en-US" altLang="zh-CN" sz="1000" b="1">
+                <a:solidFill>
+                  <a:srgbClr val="C00000"/>
+                </a:solidFill>
+              </a:rPr>
+              <a:t>6</a:t>
+            </a:r>
+            <a:r>
+              <a:rPr lang="zh-CN" altLang="en-US" sz="1000" b="1">
+                <a:solidFill>
+                  <a:srgbClr val="C00000"/>
+                </a:solidFill>
+              </a:rPr>
+              <a:t>，</a:t>
+            </a:r>
+            <a:r>
+              <a:rPr lang="en-US" altLang="zh-CN" sz="1000" b="1">
+                <a:solidFill>
+                  <a:srgbClr val="C00000"/>
+                </a:solidFill>
+              </a:rPr>
+              <a:t>12 </a:t>
+            </a:r>
+            <a:endParaRPr lang="en-US" altLang="zh-CN" sz="1000" b="1">
+              <a:solidFill>
+                <a:srgbClr val="C00000"/>
+              </a:solidFill>
+            </a:endParaRPr>
+          </a:p>
+        </p:txBody>
+      </p:sp>
     </p:spTree>
   </p:cSld>
   <p:clrMapOvr>
@@ -7940,6 +9325,1103 @@
           <a:chExt cx="0" cy="0"/>
         </a:xfrm>
       </p:grpSpPr>
+      <p:sp>
+        <p:nvSpPr>
+          <p:cNvPr id="3" name="Oval 2"/>
+          <p:cNvSpPr/>
+          <p:nvPr/>
+        </p:nvSpPr>
+        <p:spPr>
+          <a:xfrm>
+            <a:off x="5555615" y="1230630"/>
+            <a:ext cx="491490" cy="463550"/>
+          </a:xfrm>
+          <a:prstGeom prst="ellipse">
+            <a:avLst/>
+          </a:prstGeom>
+        </p:spPr>
+        <p:style>
+          <a:lnRef idx="1">
+            <a:schemeClr val="accent6"/>
+          </a:lnRef>
+          <a:fillRef idx="2">
+            <a:schemeClr val="accent6"/>
+          </a:fillRef>
+          <a:effectRef idx="1">
+            <a:schemeClr val="accent6"/>
+          </a:effectRef>
+          <a:fontRef idx="minor">
+            <a:schemeClr val="dk1"/>
+          </a:fontRef>
+        </p:style>
+        <p:txBody>
+          <a:bodyPr rtlCol="0" anchor="ctr"/>
+          <a:p>
+            <a:pPr algn="ctr"/>
+            <a:r>
+              <a:rPr lang="en-US" sz="1000" b="1">
+                <a:solidFill>
+                  <a:schemeClr val="tx1"/>
+                </a:solidFill>
+              </a:rPr>
+              <a:t>1</a:t>
+            </a:r>
+            <a:endParaRPr lang="en-US" sz="1000" b="1">
+              <a:solidFill>
+                <a:schemeClr val="tx1"/>
+              </a:solidFill>
+            </a:endParaRPr>
+          </a:p>
+        </p:txBody>
+      </p:sp>
+      <p:sp>
+        <p:nvSpPr>
+          <p:cNvPr id="4" name="Oval 3"/>
+          <p:cNvSpPr/>
+          <p:nvPr/>
+        </p:nvSpPr>
+        <p:spPr>
+          <a:xfrm>
+            <a:off x="3254375" y="2019300"/>
+            <a:ext cx="491490" cy="463550"/>
+          </a:xfrm>
+          <a:prstGeom prst="ellipse">
+            <a:avLst/>
+          </a:prstGeom>
+        </p:spPr>
+        <p:style>
+          <a:lnRef idx="1">
+            <a:schemeClr val="accent1"/>
+          </a:lnRef>
+          <a:fillRef idx="3">
+            <a:schemeClr val="accent1"/>
+          </a:fillRef>
+          <a:effectRef idx="2">
+            <a:schemeClr val="accent1"/>
+          </a:effectRef>
+          <a:fontRef idx="minor">
+            <a:schemeClr val="lt1"/>
+          </a:fontRef>
+        </p:style>
+        <p:txBody>
+          <a:bodyPr rtlCol="0" anchor="ctr"/>
+          <a:p>
+            <a:pPr algn="ctr"/>
+            <a:r>
+              <a:rPr lang="en-US" sz="1000" b="1">
+                <a:solidFill>
+                  <a:schemeClr val="tx1"/>
+                </a:solidFill>
+              </a:rPr>
+              <a:t>2</a:t>
+            </a:r>
+            <a:endParaRPr lang="en-US" sz="1000" b="1">
+              <a:solidFill>
+                <a:schemeClr val="tx1"/>
+              </a:solidFill>
+            </a:endParaRPr>
+          </a:p>
+        </p:txBody>
+      </p:sp>
+      <p:sp>
+        <p:nvSpPr>
+          <p:cNvPr id="6" name="Oval 5"/>
+          <p:cNvSpPr/>
+          <p:nvPr/>
+        </p:nvSpPr>
+        <p:spPr>
+          <a:xfrm>
+            <a:off x="8600440" y="2019300"/>
+            <a:ext cx="491490" cy="463550"/>
+          </a:xfrm>
+          <a:prstGeom prst="ellipse">
+            <a:avLst/>
+          </a:prstGeom>
+        </p:spPr>
+        <p:style>
+          <a:lnRef idx="1">
+            <a:schemeClr val="accent1"/>
+          </a:lnRef>
+          <a:fillRef idx="3">
+            <a:schemeClr val="accent1"/>
+          </a:fillRef>
+          <a:effectRef idx="2">
+            <a:schemeClr val="accent1"/>
+          </a:effectRef>
+          <a:fontRef idx="minor">
+            <a:schemeClr val="lt1"/>
+          </a:fontRef>
+        </p:style>
+        <p:txBody>
+          <a:bodyPr rtlCol="0" anchor="ctr"/>
+          <a:p>
+            <a:pPr algn="ctr"/>
+            <a:r>
+              <a:rPr lang="en-US" sz="1000" b="1">
+                <a:solidFill>
+                  <a:schemeClr val="tx1"/>
+                </a:solidFill>
+              </a:rPr>
+              <a:t>3</a:t>
+            </a:r>
+            <a:endParaRPr lang="en-US" sz="1000" b="1">
+              <a:solidFill>
+                <a:schemeClr val="tx1"/>
+              </a:solidFill>
+            </a:endParaRPr>
+          </a:p>
+        </p:txBody>
+      </p:sp>
+      <p:sp>
+        <p:nvSpPr>
+          <p:cNvPr id="7" name="Oval 6"/>
+          <p:cNvSpPr/>
+          <p:nvPr/>
+        </p:nvSpPr>
+        <p:spPr>
+          <a:xfrm>
+            <a:off x="1764030" y="2710180"/>
+            <a:ext cx="491490" cy="463550"/>
+          </a:xfrm>
+          <a:prstGeom prst="ellipse">
+            <a:avLst/>
+          </a:prstGeom>
+        </p:spPr>
+        <p:style>
+          <a:lnRef idx="1">
+            <a:schemeClr val="accent5"/>
+          </a:lnRef>
+          <a:fillRef idx="2">
+            <a:schemeClr val="accent5"/>
+          </a:fillRef>
+          <a:effectRef idx="1">
+            <a:schemeClr val="accent5"/>
+          </a:effectRef>
+          <a:fontRef idx="minor">
+            <a:schemeClr val="dk1"/>
+          </a:fontRef>
+        </p:style>
+        <p:txBody>
+          <a:bodyPr rtlCol="0" anchor="ctr"/>
+          <a:p>
+            <a:pPr algn="ctr"/>
+            <a:r>
+              <a:rPr lang="en-US" sz="1000" b="1">
+                <a:solidFill>
+                  <a:schemeClr val="tx1"/>
+                </a:solidFill>
+              </a:rPr>
+              <a:t>4</a:t>
+            </a:r>
+            <a:endParaRPr lang="en-US" sz="1000" b="1">
+              <a:solidFill>
+                <a:schemeClr val="tx1"/>
+              </a:solidFill>
+            </a:endParaRPr>
+          </a:p>
+        </p:txBody>
+      </p:sp>
+      <p:sp>
+        <p:nvSpPr>
+          <p:cNvPr id="9" name="Oval 8"/>
+          <p:cNvSpPr/>
+          <p:nvPr/>
+        </p:nvSpPr>
+        <p:spPr>
+          <a:xfrm>
+            <a:off x="7078345" y="2710180"/>
+            <a:ext cx="491490" cy="463550"/>
+          </a:xfrm>
+          <a:prstGeom prst="ellipse">
+            <a:avLst/>
+          </a:prstGeom>
+        </p:spPr>
+        <p:style>
+          <a:lnRef idx="1">
+            <a:schemeClr val="accent5"/>
+          </a:lnRef>
+          <a:fillRef idx="2">
+            <a:schemeClr val="accent5"/>
+          </a:fillRef>
+          <a:effectRef idx="1">
+            <a:schemeClr val="accent5"/>
+          </a:effectRef>
+          <a:fontRef idx="minor">
+            <a:schemeClr val="dk1"/>
+          </a:fontRef>
+        </p:style>
+        <p:txBody>
+          <a:bodyPr rtlCol="0" anchor="ctr"/>
+          <a:p>
+            <a:pPr algn="ctr"/>
+            <a:r>
+              <a:rPr lang="en-US" sz="1000" b="1">
+                <a:solidFill>
+                  <a:schemeClr val="tx1"/>
+                </a:solidFill>
+              </a:rPr>
+              <a:t>5</a:t>
+            </a:r>
+            <a:endParaRPr lang="en-US" sz="1000" b="1">
+              <a:solidFill>
+                <a:schemeClr val="tx1"/>
+              </a:solidFill>
+            </a:endParaRPr>
+          </a:p>
+        </p:txBody>
+      </p:sp>
+      <p:sp>
+        <p:nvSpPr>
+          <p:cNvPr id="10" name="Oval 9"/>
+          <p:cNvSpPr/>
+          <p:nvPr/>
+        </p:nvSpPr>
+        <p:spPr>
+          <a:xfrm>
+            <a:off x="10198735" y="2710180"/>
+            <a:ext cx="491490" cy="463550"/>
+          </a:xfrm>
+          <a:prstGeom prst="ellipse">
+            <a:avLst/>
+          </a:prstGeom>
+        </p:spPr>
+        <p:style>
+          <a:lnRef idx="1">
+            <a:schemeClr val="accent5"/>
+          </a:lnRef>
+          <a:fillRef idx="2">
+            <a:schemeClr val="accent5"/>
+          </a:fillRef>
+          <a:effectRef idx="1">
+            <a:schemeClr val="accent5"/>
+          </a:effectRef>
+          <a:fontRef idx="minor">
+            <a:schemeClr val="dk1"/>
+          </a:fontRef>
+        </p:style>
+        <p:txBody>
+          <a:bodyPr rtlCol="0" anchor="ctr"/>
+          <a:p>
+            <a:pPr algn="ctr"/>
+            <a:r>
+              <a:rPr lang="en-US" sz="1000" b="1">
+                <a:solidFill>
+                  <a:schemeClr val="tx1"/>
+                </a:solidFill>
+              </a:rPr>
+              <a:t>6</a:t>
+            </a:r>
+            <a:endParaRPr lang="en-US" sz="1000" b="1">
+              <a:solidFill>
+                <a:schemeClr val="tx1"/>
+              </a:solidFill>
+            </a:endParaRPr>
+          </a:p>
+        </p:txBody>
+      </p:sp>
+      <p:sp>
+        <p:nvSpPr>
+          <p:cNvPr id="11" name="Oval 10"/>
+          <p:cNvSpPr/>
+          <p:nvPr/>
+        </p:nvSpPr>
+        <p:spPr>
+          <a:xfrm>
+            <a:off x="446405" y="3389630"/>
+            <a:ext cx="491490" cy="463550"/>
+          </a:xfrm>
+          <a:prstGeom prst="ellipse">
+            <a:avLst/>
+          </a:prstGeom>
+        </p:spPr>
+        <p:style>
+          <a:lnRef idx="1">
+            <a:schemeClr val="accent4"/>
+          </a:lnRef>
+          <a:fillRef idx="2">
+            <a:schemeClr val="accent4"/>
+          </a:fillRef>
+          <a:effectRef idx="1">
+            <a:schemeClr val="accent4"/>
+          </a:effectRef>
+          <a:fontRef idx="minor">
+            <a:schemeClr val="dk1"/>
+          </a:fontRef>
+        </p:style>
+        <p:txBody>
+          <a:bodyPr rtlCol="0" anchor="ctr"/>
+          <a:p>
+            <a:pPr algn="ctr"/>
+            <a:r>
+              <a:rPr lang="en-US" sz="1000" b="1">
+                <a:solidFill>
+                  <a:schemeClr val="tx1"/>
+                </a:solidFill>
+              </a:rPr>
+              <a:t>7</a:t>
+            </a:r>
+            <a:endParaRPr lang="en-US" sz="1000" b="1">
+              <a:solidFill>
+                <a:schemeClr val="tx1"/>
+              </a:solidFill>
+            </a:endParaRPr>
+          </a:p>
+        </p:txBody>
+      </p:sp>
+      <p:sp>
+        <p:nvSpPr>
+          <p:cNvPr id="12" name="Oval 11"/>
+          <p:cNvSpPr/>
+          <p:nvPr/>
+        </p:nvSpPr>
+        <p:spPr>
+          <a:xfrm>
+            <a:off x="3122295" y="3394075"/>
+            <a:ext cx="491490" cy="463550"/>
+          </a:xfrm>
+          <a:prstGeom prst="ellipse">
+            <a:avLst/>
+          </a:prstGeom>
+        </p:spPr>
+        <p:style>
+          <a:lnRef idx="1">
+            <a:schemeClr val="accent4"/>
+          </a:lnRef>
+          <a:fillRef idx="2">
+            <a:schemeClr val="accent4"/>
+          </a:fillRef>
+          <a:effectRef idx="1">
+            <a:schemeClr val="accent4"/>
+          </a:effectRef>
+          <a:fontRef idx="minor">
+            <a:schemeClr val="dk1"/>
+          </a:fontRef>
+        </p:style>
+        <p:txBody>
+          <a:bodyPr rtlCol="0" anchor="ctr"/>
+          <a:p>
+            <a:pPr algn="ctr"/>
+            <a:r>
+              <a:rPr lang="en-US" sz="1000" b="1">
+                <a:solidFill>
+                  <a:schemeClr val="tx1"/>
+                </a:solidFill>
+              </a:rPr>
+              <a:t>8</a:t>
+            </a:r>
+            <a:endParaRPr lang="en-US" sz="1000" b="1">
+              <a:solidFill>
+                <a:schemeClr val="tx1"/>
+              </a:solidFill>
+            </a:endParaRPr>
+          </a:p>
+        </p:txBody>
+      </p:sp>
+      <p:sp>
+        <p:nvSpPr>
+          <p:cNvPr id="13" name="Oval 12"/>
+          <p:cNvSpPr/>
+          <p:nvPr/>
+        </p:nvSpPr>
+        <p:spPr>
+          <a:xfrm>
+            <a:off x="5798185" y="3394075"/>
+            <a:ext cx="491490" cy="463550"/>
+          </a:xfrm>
+          <a:prstGeom prst="ellipse">
+            <a:avLst/>
+          </a:prstGeom>
+        </p:spPr>
+        <p:style>
+          <a:lnRef idx="1">
+            <a:schemeClr val="accent4"/>
+          </a:lnRef>
+          <a:fillRef idx="2">
+            <a:schemeClr val="accent4"/>
+          </a:fillRef>
+          <a:effectRef idx="1">
+            <a:schemeClr val="accent4"/>
+          </a:effectRef>
+          <a:fontRef idx="minor">
+            <a:schemeClr val="dk1"/>
+          </a:fontRef>
+        </p:style>
+        <p:txBody>
+          <a:bodyPr rtlCol="0" anchor="ctr"/>
+          <a:p>
+            <a:pPr algn="ctr"/>
+            <a:r>
+              <a:rPr lang="en-US" sz="1000" b="1">
+                <a:solidFill>
+                  <a:schemeClr val="tx1"/>
+                </a:solidFill>
+              </a:rPr>
+              <a:t>9</a:t>
+            </a:r>
+            <a:endParaRPr lang="en-US" sz="1000" b="1">
+              <a:solidFill>
+                <a:schemeClr val="tx1"/>
+              </a:solidFill>
+            </a:endParaRPr>
+          </a:p>
+        </p:txBody>
+      </p:sp>
+      <p:sp>
+        <p:nvSpPr>
+          <p:cNvPr id="14" name="Oval 13"/>
+          <p:cNvSpPr/>
+          <p:nvPr/>
+        </p:nvSpPr>
+        <p:spPr>
+          <a:xfrm>
+            <a:off x="8117840" y="3389630"/>
+            <a:ext cx="491490" cy="463550"/>
+          </a:xfrm>
+          <a:prstGeom prst="ellipse">
+            <a:avLst/>
+          </a:prstGeom>
+        </p:spPr>
+        <p:style>
+          <a:lnRef idx="1">
+            <a:schemeClr val="accent4"/>
+          </a:lnRef>
+          <a:fillRef idx="2">
+            <a:schemeClr val="accent4"/>
+          </a:fillRef>
+          <a:effectRef idx="1">
+            <a:schemeClr val="accent4"/>
+          </a:effectRef>
+          <a:fontRef idx="minor">
+            <a:schemeClr val="dk1"/>
+          </a:fontRef>
+        </p:style>
+        <p:txBody>
+          <a:bodyPr rtlCol="0" anchor="ctr"/>
+          <a:p>
+            <a:pPr algn="ctr"/>
+            <a:r>
+              <a:rPr lang="en-US" sz="1000" b="1">
+                <a:solidFill>
+                  <a:schemeClr val="tx1"/>
+                </a:solidFill>
+              </a:rPr>
+              <a:t>11</a:t>
+            </a:r>
+            <a:endParaRPr lang="en-US" sz="1000" b="1">
+              <a:solidFill>
+                <a:schemeClr val="tx1"/>
+              </a:solidFill>
+            </a:endParaRPr>
+          </a:p>
+        </p:txBody>
+      </p:sp>
+      <p:sp>
+        <p:nvSpPr>
+          <p:cNvPr id="16" name="Oval 15"/>
+          <p:cNvSpPr/>
+          <p:nvPr/>
+        </p:nvSpPr>
+        <p:spPr>
+          <a:xfrm>
+            <a:off x="9438640" y="3394075"/>
+            <a:ext cx="491490" cy="463550"/>
+          </a:xfrm>
+          <a:prstGeom prst="ellipse">
+            <a:avLst/>
+          </a:prstGeom>
+        </p:spPr>
+        <p:style>
+          <a:lnRef idx="1">
+            <a:schemeClr val="accent4"/>
+          </a:lnRef>
+          <a:fillRef idx="2">
+            <a:schemeClr val="accent4"/>
+          </a:fillRef>
+          <a:effectRef idx="1">
+            <a:schemeClr val="accent4"/>
+          </a:effectRef>
+          <a:fontRef idx="minor">
+            <a:schemeClr val="dk1"/>
+          </a:fontRef>
+        </p:style>
+        <p:txBody>
+          <a:bodyPr rtlCol="0" anchor="ctr"/>
+          <a:p>
+            <a:pPr algn="ctr"/>
+            <a:r>
+              <a:rPr lang="en-US" sz="1000" b="1">
+                <a:solidFill>
+                  <a:schemeClr val="tx1"/>
+                </a:solidFill>
+              </a:rPr>
+              <a:t>12</a:t>
+            </a:r>
+            <a:endParaRPr lang="en-US" sz="1000" b="1">
+              <a:solidFill>
+                <a:schemeClr val="tx1"/>
+              </a:solidFill>
+            </a:endParaRPr>
+          </a:p>
+        </p:txBody>
+      </p:sp>
+      <p:cxnSp>
+        <p:nvCxnSpPr>
+          <p:cNvPr id="23" name="Straight Connector 22"/>
+          <p:cNvCxnSpPr>
+            <a:stCxn id="3" idx="4"/>
+            <a:endCxn id="4" idx="0"/>
+          </p:cNvCxnSpPr>
+          <p:nvPr/>
+        </p:nvCxnSpPr>
+        <p:spPr>
+          <a:xfrm flipH="1">
+            <a:off x="3500120" y="1694180"/>
+            <a:ext cx="2301240" cy="325120"/>
+          </a:xfrm>
+          <a:prstGeom prst="line">
+            <a:avLst/>
+          </a:prstGeom>
+        </p:spPr>
+        <p:style>
+          <a:lnRef idx="1">
+            <a:schemeClr val="dk1"/>
+          </a:lnRef>
+          <a:fillRef idx="0">
+            <a:schemeClr val="dk1"/>
+          </a:fillRef>
+          <a:effectRef idx="0">
+            <a:schemeClr val="dk1"/>
+          </a:effectRef>
+          <a:fontRef idx="minor">
+            <a:schemeClr val="tx1"/>
+          </a:fontRef>
+        </p:style>
+      </p:cxnSp>
+      <p:cxnSp>
+        <p:nvCxnSpPr>
+          <p:cNvPr id="24" name="Straight Connector 23"/>
+          <p:cNvCxnSpPr>
+            <a:stCxn id="6" idx="4"/>
+            <a:endCxn id="9" idx="0"/>
+          </p:cNvCxnSpPr>
+          <p:nvPr/>
+        </p:nvCxnSpPr>
+        <p:spPr>
+          <a:xfrm flipH="1">
+            <a:off x="7324090" y="2482850"/>
+            <a:ext cx="1522095" cy="227330"/>
+          </a:xfrm>
+          <a:prstGeom prst="line">
+            <a:avLst/>
+          </a:prstGeom>
+        </p:spPr>
+        <p:style>
+          <a:lnRef idx="1">
+            <a:schemeClr val="dk1"/>
+          </a:lnRef>
+          <a:fillRef idx="0">
+            <a:schemeClr val="dk1"/>
+          </a:fillRef>
+          <a:effectRef idx="0">
+            <a:schemeClr val="dk1"/>
+          </a:effectRef>
+          <a:fontRef idx="minor">
+            <a:schemeClr val="tx1"/>
+          </a:fontRef>
+        </p:style>
+      </p:cxnSp>
+      <p:cxnSp>
+        <p:nvCxnSpPr>
+          <p:cNvPr id="25" name="Straight Connector 24"/>
+          <p:cNvCxnSpPr>
+            <a:stCxn id="6" idx="0"/>
+            <a:endCxn id="3" idx="4"/>
+          </p:cNvCxnSpPr>
+          <p:nvPr/>
+        </p:nvCxnSpPr>
+        <p:spPr>
+          <a:xfrm flipH="1" flipV="1">
+            <a:off x="5801360" y="1694180"/>
+            <a:ext cx="3044825" cy="325120"/>
+          </a:xfrm>
+          <a:prstGeom prst="line">
+            <a:avLst/>
+          </a:prstGeom>
+        </p:spPr>
+        <p:style>
+          <a:lnRef idx="1">
+            <a:schemeClr val="dk1"/>
+          </a:lnRef>
+          <a:fillRef idx="0">
+            <a:schemeClr val="dk1"/>
+          </a:fillRef>
+          <a:effectRef idx="0">
+            <a:schemeClr val="dk1"/>
+          </a:effectRef>
+          <a:fontRef idx="minor">
+            <a:schemeClr val="tx1"/>
+          </a:fontRef>
+        </p:style>
+      </p:cxnSp>
+      <p:cxnSp>
+        <p:nvCxnSpPr>
+          <p:cNvPr id="26" name="Straight Connector 25"/>
+          <p:cNvCxnSpPr>
+            <a:stCxn id="9" idx="4"/>
+            <a:endCxn id="13" idx="0"/>
+          </p:cNvCxnSpPr>
+          <p:nvPr/>
+        </p:nvCxnSpPr>
+        <p:spPr>
+          <a:xfrm flipH="1">
+            <a:off x="6043930" y="3173730"/>
+            <a:ext cx="1280160" cy="220345"/>
+          </a:xfrm>
+          <a:prstGeom prst="line">
+            <a:avLst/>
+          </a:prstGeom>
+        </p:spPr>
+        <p:style>
+          <a:lnRef idx="1">
+            <a:schemeClr val="dk1"/>
+          </a:lnRef>
+          <a:fillRef idx="0">
+            <a:schemeClr val="dk1"/>
+          </a:fillRef>
+          <a:effectRef idx="0">
+            <a:schemeClr val="dk1"/>
+          </a:effectRef>
+          <a:fontRef idx="minor">
+            <a:schemeClr val="tx1"/>
+          </a:fontRef>
+        </p:style>
+      </p:cxnSp>
+      <p:cxnSp>
+        <p:nvCxnSpPr>
+          <p:cNvPr id="27" name="Straight Connector 26"/>
+          <p:cNvCxnSpPr>
+            <a:stCxn id="7" idx="4"/>
+            <a:endCxn id="12" idx="0"/>
+          </p:cNvCxnSpPr>
+          <p:nvPr/>
+        </p:nvCxnSpPr>
+        <p:spPr>
+          <a:xfrm>
+            <a:off x="2009775" y="3173730"/>
+            <a:ext cx="1358265" cy="220345"/>
+          </a:xfrm>
+          <a:prstGeom prst="line">
+            <a:avLst/>
+          </a:prstGeom>
+        </p:spPr>
+        <p:style>
+          <a:lnRef idx="1">
+            <a:schemeClr val="dk1"/>
+          </a:lnRef>
+          <a:fillRef idx="0">
+            <a:schemeClr val="dk1"/>
+          </a:fillRef>
+          <a:effectRef idx="0">
+            <a:schemeClr val="dk1"/>
+          </a:effectRef>
+          <a:fontRef idx="minor">
+            <a:schemeClr val="tx1"/>
+          </a:fontRef>
+        </p:style>
+      </p:cxnSp>
+      <p:cxnSp>
+        <p:nvCxnSpPr>
+          <p:cNvPr id="28" name="Straight Connector 27"/>
+          <p:cNvCxnSpPr>
+            <a:stCxn id="7" idx="4"/>
+            <a:endCxn id="11" idx="0"/>
+          </p:cNvCxnSpPr>
+          <p:nvPr/>
+        </p:nvCxnSpPr>
+        <p:spPr>
+          <a:xfrm flipH="1">
+            <a:off x="692150" y="3173730"/>
+            <a:ext cx="1317625" cy="215900"/>
+          </a:xfrm>
+          <a:prstGeom prst="line">
+            <a:avLst/>
+          </a:prstGeom>
+        </p:spPr>
+        <p:style>
+          <a:lnRef idx="1">
+            <a:schemeClr val="dk1"/>
+          </a:lnRef>
+          <a:fillRef idx="0">
+            <a:schemeClr val="dk1"/>
+          </a:fillRef>
+          <a:effectRef idx="0">
+            <a:schemeClr val="dk1"/>
+          </a:effectRef>
+          <a:fontRef idx="minor">
+            <a:schemeClr val="tx1"/>
+          </a:fontRef>
+        </p:style>
+      </p:cxnSp>
+      <p:cxnSp>
+        <p:nvCxnSpPr>
+          <p:cNvPr id="29" name="Straight Connector 28"/>
+          <p:cNvCxnSpPr>
+            <a:stCxn id="4" idx="4"/>
+            <a:endCxn id="7" idx="0"/>
+          </p:cNvCxnSpPr>
+          <p:nvPr/>
+        </p:nvCxnSpPr>
+        <p:spPr>
+          <a:xfrm flipH="1">
+            <a:off x="2009775" y="2482850"/>
+            <a:ext cx="1490345" cy="227330"/>
+          </a:xfrm>
+          <a:prstGeom prst="line">
+            <a:avLst/>
+          </a:prstGeom>
+        </p:spPr>
+        <p:style>
+          <a:lnRef idx="1">
+            <a:schemeClr val="dk1"/>
+          </a:lnRef>
+          <a:fillRef idx="0">
+            <a:schemeClr val="dk1"/>
+          </a:fillRef>
+          <a:effectRef idx="0">
+            <a:schemeClr val="dk1"/>
+          </a:effectRef>
+          <a:fontRef idx="minor">
+            <a:schemeClr val="tx1"/>
+          </a:fontRef>
+        </p:style>
+      </p:cxnSp>
+      <p:cxnSp>
+        <p:nvCxnSpPr>
+          <p:cNvPr id="30" name="Straight Connector 29"/>
+          <p:cNvCxnSpPr>
+            <a:stCxn id="9" idx="4"/>
+            <a:endCxn id="14" idx="0"/>
+          </p:cNvCxnSpPr>
+          <p:nvPr/>
+        </p:nvCxnSpPr>
+        <p:spPr>
+          <a:xfrm>
+            <a:off x="7324090" y="3173730"/>
+            <a:ext cx="1039495" cy="215900"/>
+          </a:xfrm>
+          <a:prstGeom prst="line">
+            <a:avLst/>
+          </a:prstGeom>
+        </p:spPr>
+        <p:style>
+          <a:lnRef idx="1">
+            <a:schemeClr val="dk1"/>
+          </a:lnRef>
+          <a:fillRef idx="0">
+            <a:schemeClr val="dk1"/>
+          </a:fillRef>
+          <a:effectRef idx="0">
+            <a:schemeClr val="dk1"/>
+          </a:effectRef>
+          <a:fontRef idx="minor">
+            <a:schemeClr val="tx1"/>
+          </a:fontRef>
+        </p:style>
+      </p:cxnSp>
+      <p:cxnSp>
+        <p:nvCxnSpPr>
+          <p:cNvPr id="31" name="Straight Connector 30"/>
+          <p:cNvCxnSpPr>
+            <a:stCxn id="6" idx="4"/>
+            <a:endCxn id="10" idx="0"/>
+          </p:cNvCxnSpPr>
+          <p:nvPr/>
+        </p:nvCxnSpPr>
+        <p:spPr>
+          <a:xfrm>
+            <a:off x="8846185" y="2482850"/>
+            <a:ext cx="1598295" cy="227330"/>
+          </a:xfrm>
+          <a:prstGeom prst="line">
+            <a:avLst/>
+          </a:prstGeom>
+        </p:spPr>
+        <p:style>
+          <a:lnRef idx="1">
+            <a:schemeClr val="dk1"/>
+          </a:lnRef>
+          <a:fillRef idx="0">
+            <a:schemeClr val="dk1"/>
+          </a:fillRef>
+          <a:effectRef idx="0">
+            <a:schemeClr val="dk1"/>
+          </a:effectRef>
+          <a:fontRef idx="minor">
+            <a:schemeClr val="tx1"/>
+          </a:fontRef>
+        </p:style>
+      </p:cxnSp>
+      <p:cxnSp>
+        <p:nvCxnSpPr>
+          <p:cNvPr id="32" name="Straight Connector 31"/>
+          <p:cNvCxnSpPr>
+            <a:stCxn id="16" idx="0"/>
+            <a:endCxn id="10" idx="4"/>
+          </p:cNvCxnSpPr>
+          <p:nvPr/>
+        </p:nvCxnSpPr>
+        <p:spPr>
+          <a:xfrm flipV="1">
+            <a:off x="9684385" y="3173730"/>
+            <a:ext cx="760095" cy="220345"/>
+          </a:xfrm>
+          <a:prstGeom prst="line">
+            <a:avLst/>
+          </a:prstGeom>
+        </p:spPr>
+        <p:style>
+          <a:lnRef idx="1">
+            <a:schemeClr val="dk1"/>
+          </a:lnRef>
+          <a:fillRef idx="0">
+            <a:schemeClr val="dk1"/>
+          </a:fillRef>
+          <a:effectRef idx="0">
+            <a:schemeClr val="dk1"/>
+          </a:effectRef>
+          <a:fontRef idx="minor">
+            <a:schemeClr val="tx1"/>
+          </a:fontRef>
+        </p:style>
+      </p:cxnSp>
+      <p:sp>
+        <p:nvSpPr>
+          <p:cNvPr id="2" name="Text Box 1"/>
+          <p:cNvSpPr txBox="1"/>
+          <p:nvPr/>
+        </p:nvSpPr>
+        <p:spPr>
+          <a:xfrm>
+            <a:off x="4212590" y="2234565"/>
+            <a:ext cx="2645410" cy="398780"/>
+          </a:xfrm>
+          <a:prstGeom prst="rect">
+            <a:avLst/>
+          </a:prstGeom>
+          <a:noFill/>
+        </p:spPr>
+        <p:txBody>
+          <a:bodyPr wrap="square" rtlCol="0">
+            <a:spAutoFit/>
+          </a:bodyPr>
+          <a:p>
+            <a:r>
+              <a:rPr lang="en-US" altLang="zh-CN" sz="1000" b="1">
+                <a:solidFill>
+                  <a:srgbClr val="C00000"/>
+                </a:solidFill>
+              </a:rPr>
+              <a:t>                    </a:t>
+            </a:r>
+            <a:r>
+              <a:rPr lang="zh-CN" altLang="en-US" sz="1000" b="1">
+                <a:solidFill>
+                  <a:srgbClr val="C00000"/>
+                </a:solidFill>
+              </a:rPr>
+              <a:t>中序遍历</a:t>
+            </a:r>
+            <a:endParaRPr lang="zh-CN" altLang="en-US" sz="1000" b="1">
+              <a:solidFill>
+                <a:srgbClr val="C00000"/>
+              </a:solidFill>
+            </a:endParaRPr>
+          </a:p>
+          <a:p>
+            <a:r>
+              <a:rPr lang="zh-CN" altLang="en-US" sz="1000" b="1">
+                <a:solidFill>
+                  <a:srgbClr val="C00000"/>
+                </a:solidFill>
+              </a:rPr>
+              <a:t> </a:t>
+            </a:r>
+            <a:r>
+              <a:rPr lang="en-US" altLang="zh-CN" sz="1000" b="1">
+                <a:solidFill>
+                  <a:srgbClr val="C00000"/>
+                </a:solidFill>
+              </a:rPr>
+              <a:t>7</a:t>
+            </a:r>
+            <a:r>
+              <a:rPr lang="zh-CN" altLang="en-US" sz="1000" b="1">
+                <a:solidFill>
+                  <a:srgbClr val="C00000"/>
+                </a:solidFill>
+              </a:rPr>
+              <a:t>，</a:t>
+            </a:r>
+            <a:r>
+              <a:rPr lang="en-US" altLang="zh-CN" sz="1000" b="1">
+                <a:solidFill>
+                  <a:srgbClr val="C00000"/>
+                </a:solidFill>
+              </a:rPr>
+              <a:t>4</a:t>
+            </a:r>
+            <a:r>
+              <a:rPr lang="zh-CN" altLang="en-US" sz="1000" b="1">
+                <a:solidFill>
+                  <a:srgbClr val="C00000"/>
+                </a:solidFill>
+              </a:rPr>
+              <a:t>，</a:t>
+            </a:r>
+            <a:r>
+              <a:rPr lang="en-US" altLang="zh-CN" sz="1000" b="1">
+                <a:solidFill>
+                  <a:srgbClr val="C00000"/>
+                </a:solidFill>
+              </a:rPr>
+              <a:t>8</a:t>
+            </a:r>
+            <a:r>
+              <a:rPr lang="zh-CN" altLang="en-US" sz="1000" b="1">
+                <a:solidFill>
+                  <a:srgbClr val="C00000"/>
+                </a:solidFill>
+              </a:rPr>
+              <a:t>，</a:t>
+            </a:r>
+            <a:r>
+              <a:rPr lang="en-US" altLang="zh-CN" sz="1000" b="1">
+                <a:solidFill>
+                  <a:srgbClr val="C00000"/>
+                </a:solidFill>
+              </a:rPr>
+              <a:t>2</a:t>
+            </a:r>
+            <a:r>
+              <a:rPr lang="zh-CN" altLang="en-US" sz="1000" b="1">
+                <a:solidFill>
+                  <a:srgbClr val="C00000"/>
+                </a:solidFill>
+              </a:rPr>
+              <a:t>，</a:t>
+            </a:r>
+            <a:r>
+              <a:rPr lang="en-US" altLang="zh-CN" sz="1000" b="1">
+                <a:solidFill>
+                  <a:srgbClr val="C00000"/>
+                </a:solidFill>
+              </a:rPr>
+              <a:t>1</a:t>
+            </a:r>
+            <a:r>
+              <a:rPr lang="zh-CN" altLang="en-US" sz="1000" b="1">
+                <a:solidFill>
+                  <a:srgbClr val="C00000"/>
+                </a:solidFill>
+              </a:rPr>
+              <a:t>，</a:t>
+            </a:r>
+            <a:r>
+              <a:rPr lang="en-US" altLang="zh-CN" sz="1000" b="1">
+                <a:solidFill>
+                  <a:srgbClr val="C00000"/>
+                </a:solidFill>
+              </a:rPr>
+              <a:t>9</a:t>
+            </a:r>
+            <a:r>
+              <a:rPr lang="zh-CN" altLang="en-US" sz="1000" b="1">
+                <a:solidFill>
+                  <a:srgbClr val="C00000"/>
+                </a:solidFill>
+              </a:rPr>
+              <a:t>，</a:t>
+            </a:r>
+            <a:r>
+              <a:rPr lang="en-US" altLang="zh-CN" sz="1000" b="1">
+                <a:solidFill>
+                  <a:srgbClr val="C00000"/>
+                </a:solidFill>
+              </a:rPr>
+              <a:t>5</a:t>
+            </a:r>
+            <a:r>
+              <a:rPr lang="zh-CN" altLang="en-US" sz="1000" b="1">
+                <a:solidFill>
+                  <a:srgbClr val="C00000"/>
+                </a:solidFill>
+              </a:rPr>
+              <a:t>，</a:t>
+            </a:r>
+            <a:r>
+              <a:rPr lang="en-US" altLang="zh-CN" sz="1000" b="1">
+                <a:solidFill>
+                  <a:srgbClr val="C00000"/>
+                </a:solidFill>
+              </a:rPr>
+              <a:t>11</a:t>
+            </a:r>
+            <a:r>
+              <a:rPr lang="zh-CN" altLang="en-US" sz="1000" b="1">
+                <a:solidFill>
+                  <a:srgbClr val="C00000"/>
+                </a:solidFill>
+              </a:rPr>
+              <a:t>，</a:t>
+            </a:r>
+            <a:r>
+              <a:rPr lang="en-US" altLang="zh-CN" sz="1000" b="1">
+                <a:solidFill>
+                  <a:srgbClr val="C00000"/>
+                </a:solidFill>
+              </a:rPr>
+              <a:t>3</a:t>
+            </a:r>
+            <a:r>
+              <a:rPr lang="zh-CN" altLang="en-US" sz="1000" b="1">
+                <a:solidFill>
+                  <a:srgbClr val="C00000"/>
+                </a:solidFill>
+              </a:rPr>
+              <a:t>，</a:t>
+            </a:r>
+            <a:r>
+              <a:rPr lang="en-US" altLang="zh-CN" sz="1000" b="1">
+                <a:solidFill>
+                  <a:srgbClr val="C00000"/>
+                </a:solidFill>
+              </a:rPr>
+              <a:t>12</a:t>
+            </a:r>
+            <a:r>
+              <a:rPr lang="zh-CN" altLang="en-US" sz="1000" b="1">
+                <a:solidFill>
+                  <a:srgbClr val="C00000"/>
+                </a:solidFill>
+              </a:rPr>
+              <a:t>，</a:t>
+            </a:r>
+            <a:r>
+              <a:rPr lang="en-US" altLang="zh-CN" sz="1000" b="1">
+                <a:solidFill>
+                  <a:srgbClr val="C00000"/>
+                </a:solidFill>
+              </a:rPr>
+              <a:t>6</a:t>
+            </a:r>
+            <a:endParaRPr lang="en-US" altLang="zh-CN" sz="1000" b="1">
+              <a:solidFill>
+                <a:srgbClr val="C00000"/>
+              </a:solidFill>
+            </a:endParaRPr>
+          </a:p>
+        </p:txBody>
+      </p:sp>
     </p:spTree>
   </p:cSld>
   <p:clrMapOvr>
@@ -7965,6 +10447,1095 @@
           <a:chExt cx="0" cy="0"/>
         </a:xfrm>
       </p:grpSpPr>
+      <p:sp>
+        <p:nvSpPr>
+          <p:cNvPr id="3" name="Oval 2"/>
+          <p:cNvSpPr/>
+          <p:nvPr/>
+        </p:nvSpPr>
+        <p:spPr>
+          <a:xfrm>
+            <a:off x="5555615" y="1230630"/>
+            <a:ext cx="491490" cy="463550"/>
+          </a:xfrm>
+          <a:prstGeom prst="ellipse">
+            <a:avLst/>
+          </a:prstGeom>
+        </p:spPr>
+        <p:style>
+          <a:lnRef idx="1">
+            <a:schemeClr val="accent6"/>
+          </a:lnRef>
+          <a:fillRef idx="2">
+            <a:schemeClr val="accent6"/>
+          </a:fillRef>
+          <a:effectRef idx="1">
+            <a:schemeClr val="accent6"/>
+          </a:effectRef>
+          <a:fontRef idx="minor">
+            <a:schemeClr val="dk1"/>
+          </a:fontRef>
+        </p:style>
+        <p:txBody>
+          <a:bodyPr rtlCol="0" anchor="ctr"/>
+          <a:p>
+            <a:pPr algn="ctr"/>
+            <a:r>
+              <a:rPr lang="en-US" sz="1000" b="1">
+                <a:solidFill>
+                  <a:schemeClr val="tx1"/>
+                </a:solidFill>
+              </a:rPr>
+              <a:t>1</a:t>
+            </a:r>
+            <a:endParaRPr lang="en-US" sz="1000" b="1">
+              <a:solidFill>
+                <a:schemeClr val="tx1"/>
+              </a:solidFill>
+            </a:endParaRPr>
+          </a:p>
+        </p:txBody>
+      </p:sp>
+      <p:sp>
+        <p:nvSpPr>
+          <p:cNvPr id="4" name="Oval 3"/>
+          <p:cNvSpPr/>
+          <p:nvPr/>
+        </p:nvSpPr>
+        <p:spPr>
+          <a:xfrm>
+            <a:off x="3254375" y="2019300"/>
+            <a:ext cx="491490" cy="463550"/>
+          </a:xfrm>
+          <a:prstGeom prst="ellipse">
+            <a:avLst/>
+          </a:prstGeom>
+        </p:spPr>
+        <p:style>
+          <a:lnRef idx="1">
+            <a:schemeClr val="accent1"/>
+          </a:lnRef>
+          <a:fillRef idx="3">
+            <a:schemeClr val="accent1"/>
+          </a:fillRef>
+          <a:effectRef idx="2">
+            <a:schemeClr val="accent1"/>
+          </a:effectRef>
+          <a:fontRef idx="minor">
+            <a:schemeClr val="lt1"/>
+          </a:fontRef>
+        </p:style>
+        <p:txBody>
+          <a:bodyPr rtlCol="0" anchor="ctr"/>
+          <a:p>
+            <a:pPr algn="ctr"/>
+            <a:r>
+              <a:rPr lang="en-US" sz="1000" b="1">
+                <a:solidFill>
+                  <a:schemeClr val="tx1"/>
+                </a:solidFill>
+              </a:rPr>
+              <a:t>2</a:t>
+            </a:r>
+            <a:endParaRPr lang="en-US" sz="1000" b="1">
+              <a:solidFill>
+                <a:schemeClr val="tx1"/>
+              </a:solidFill>
+            </a:endParaRPr>
+          </a:p>
+        </p:txBody>
+      </p:sp>
+      <p:sp>
+        <p:nvSpPr>
+          <p:cNvPr id="6" name="Oval 5"/>
+          <p:cNvSpPr/>
+          <p:nvPr/>
+        </p:nvSpPr>
+        <p:spPr>
+          <a:xfrm>
+            <a:off x="8600440" y="2019300"/>
+            <a:ext cx="491490" cy="463550"/>
+          </a:xfrm>
+          <a:prstGeom prst="ellipse">
+            <a:avLst/>
+          </a:prstGeom>
+        </p:spPr>
+        <p:style>
+          <a:lnRef idx="1">
+            <a:schemeClr val="accent1"/>
+          </a:lnRef>
+          <a:fillRef idx="3">
+            <a:schemeClr val="accent1"/>
+          </a:fillRef>
+          <a:effectRef idx="2">
+            <a:schemeClr val="accent1"/>
+          </a:effectRef>
+          <a:fontRef idx="minor">
+            <a:schemeClr val="lt1"/>
+          </a:fontRef>
+        </p:style>
+        <p:txBody>
+          <a:bodyPr rtlCol="0" anchor="ctr"/>
+          <a:p>
+            <a:pPr algn="ctr"/>
+            <a:r>
+              <a:rPr lang="en-US" sz="1000" b="1">
+                <a:solidFill>
+                  <a:schemeClr val="tx1"/>
+                </a:solidFill>
+              </a:rPr>
+              <a:t>3</a:t>
+            </a:r>
+            <a:endParaRPr lang="en-US" sz="1000" b="1">
+              <a:solidFill>
+                <a:schemeClr val="tx1"/>
+              </a:solidFill>
+            </a:endParaRPr>
+          </a:p>
+        </p:txBody>
+      </p:sp>
+      <p:sp>
+        <p:nvSpPr>
+          <p:cNvPr id="7" name="Oval 6"/>
+          <p:cNvSpPr/>
+          <p:nvPr/>
+        </p:nvSpPr>
+        <p:spPr>
+          <a:xfrm>
+            <a:off x="1764030" y="2710180"/>
+            <a:ext cx="491490" cy="463550"/>
+          </a:xfrm>
+          <a:prstGeom prst="ellipse">
+            <a:avLst/>
+          </a:prstGeom>
+        </p:spPr>
+        <p:style>
+          <a:lnRef idx="1">
+            <a:schemeClr val="accent5"/>
+          </a:lnRef>
+          <a:fillRef idx="2">
+            <a:schemeClr val="accent5"/>
+          </a:fillRef>
+          <a:effectRef idx="1">
+            <a:schemeClr val="accent5"/>
+          </a:effectRef>
+          <a:fontRef idx="minor">
+            <a:schemeClr val="dk1"/>
+          </a:fontRef>
+        </p:style>
+        <p:txBody>
+          <a:bodyPr rtlCol="0" anchor="ctr"/>
+          <a:p>
+            <a:pPr algn="ctr"/>
+            <a:r>
+              <a:rPr lang="en-US" sz="1000" b="1">
+                <a:solidFill>
+                  <a:schemeClr val="tx1"/>
+                </a:solidFill>
+              </a:rPr>
+              <a:t>4</a:t>
+            </a:r>
+            <a:endParaRPr lang="en-US" sz="1000" b="1">
+              <a:solidFill>
+                <a:schemeClr val="tx1"/>
+              </a:solidFill>
+            </a:endParaRPr>
+          </a:p>
+        </p:txBody>
+      </p:sp>
+      <p:sp>
+        <p:nvSpPr>
+          <p:cNvPr id="9" name="Oval 8"/>
+          <p:cNvSpPr/>
+          <p:nvPr/>
+        </p:nvSpPr>
+        <p:spPr>
+          <a:xfrm>
+            <a:off x="7078345" y="2710180"/>
+            <a:ext cx="491490" cy="463550"/>
+          </a:xfrm>
+          <a:prstGeom prst="ellipse">
+            <a:avLst/>
+          </a:prstGeom>
+        </p:spPr>
+        <p:style>
+          <a:lnRef idx="1">
+            <a:schemeClr val="accent5"/>
+          </a:lnRef>
+          <a:fillRef idx="2">
+            <a:schemeClr val="accent5"/>
+          </a:fillRef>
+          <a:effectRef idx="1">
+            <a:schemeClr val="accent5"/>
+          </a:effectRef>
+          <a:fontRef idx="minor">
+            <a:schemeClr val="dk1"/>
+          </a:fontRef>
+        </p:style>
+        <p:txBody>
+          <a:bodyPr rtlCol="0" anchor="ctr"/>
+          <a:p>
+            <a:pPr algn="ctr"/>
+            <a:r>
+              <a:rPr lang="en-US" sz="1000" b="1">
+                <a:solidFill>
+                  <a:schemeClr val="tx1"/>
+                </a:solidFill>
+              </a:rPr>
+              <a:t>5</a:t>
+            </a:r>
+            <a:endParaRPr lang="en-US" sz="1000" b="1">
+              <a:solidFill>
+                <a:schemeClr val="tx1"/>
+              </a:solidFill>
+            </a:endParaRPr>
+          </a:p>
+        </p:txBody>
+      </p:sp>
+      <p:sp>
+        <p:nvSpPr>
+          <p:cNvPr id="10" name="Oval 9"/>
+          <p:cNvSpPr/>
+          <p:nvPr/>
+        </p:nvSpPr>
+        <p:spPr>
+          <a:xfrm>
+            <a:off x="10198735" y="2710180"/>
+            <a:ext cx="491490" cy="463550"/>
+          </a:xfrm>
+          <a:prstGeom prst="ellipse">
+            <a:avLst/>
+          </a:prstGeom>
+        </p:spPr>
+        <p:style>
+          <a:lnRef idx="1">
+            <a:schemeClr val="accent5"/>
+          </a:lnRef>
+          <a:fillRef idx="2">
+            <a:schemeClr val="accent5"/>
+          </a:fillRef>
+          <a:effectRef idx="1">
+            <a:schemeClr val="accent5"/>
+          </a:effectRef>
+          <a:fontRef idx="minor">
+            <a:schemeClr val="dk1"/>
+          </a:fontRef>
+        </p:style>
+        <p:txBody>
+          <a:bodyPr rtlCol="0" anchor="ctr"/>
+          <a:p>
+            <a:pPr algn="ctr"/>
+            <a:r>
+              <a:rPr lang="en-US" sz="1000" b="1">
+                <a:solidFill>
+                  <a:schemeClr val="tx1"/>
+                </a:solidFill>
+              </a:rPr>
+              <a:t>6</a:t>
+            </a:r>
+            <a:endParaRPr lang="en-US" sz="1000" b="1">
+              <a:solidFill>
+                <a:schemeClr val="tx1"/>
+              </a:solidFill>
+            </a:endParaRPr>
+          </a:p>
+        </p:txBody>
+      </p:sp>
+      <p:sp>
+        <p:nvSpPr>
+          <p:cNvPr id="11" name="Oval 10"/>
+          <p:cNvSpPr/>
+          <p:nvPr/>
+        </p:nvSpPr>
+        <p:spPr>
+          <a:xfrm>
+            <a:off x="446405" y="3389630"/>
+            <a:ext cx="491490" cy="463550"/>
+          </a:xfrm>
+          <a:prstGeom prst="ellipse">
+            <a:avLst/>
+          </a:prstGeom>
+        </p:spPr>
+        <p:style>
+          <a:lnRef idx="1">
+            <a:schemeClr val="accent4"/>
+          </a:lnRef>
+          <a:fillRef idx="2">
+            <a:schemeClr val="accent4"/>
+          </a:fillRef>
+          <a:effectRef idx="1">
+            <a:schemeClr val="accent4"/>
+          </a:effectRef>
+          <a:fontRef idx="minor">
+            <a:schemeClr val="dk1"/>
+          </a:fontRef>
+        </p:style>
+        <p:txBody>
+          <a:bodyPr rtlCol="0" anchor="ctr"/>
+          <a:p>
+            <a:pPr algn="ctr"/>
+            <a:r>
+              <a:rPr lang="en-US" sz="1000" b="1">
+                <a:solidFill>
+                  <a:schemeClr val="tx1"/>
+                </a:solidFill>
+              </a:rPr>
+              <a:t>7</a:t>
+            </a:r>
+            <a:endParaRPr lang="en-US" sz="1000" b="1">
+              <a:solidFill>
+                <a:schemeClr val="tx1"/>
+              </a:solidFill>
+            </a:endParaRPr>
+          </a:p>
+        </p:txBody>
+      </p:sp>
+      <p:sp>
+        <p:nvSpPr>
+          <p:cNvPr id="12" name="Oval 11"/>
+          <p:cNvSpPr/>
+          <p:nvPr/>
+        </p:nvSpPr>
+        <p:spPr>
+          <a:xfrm>
+            <a:off x="3122295" y="3394075"/>
+            <a:ext cx="491490" cy="463550"/>
+          </a:xfrm>
+          <a:prstGeom prst="ellipse">
+            <a:avLst/>
+          </a:prstGeom>
+        </p:spPr>
+        <p:style>
+          <a:lnRef idx="1">
+            <a:schemeClr val="accent4"/>
+          </a:lnRef>
+          <a:fillRef idx="2">
+            <a:schemeClr val="accent4"/>
+          </a:fillRef>
+          <a:effectRef idx="1">
+            <a:schemeClr val="accent4"/>
+          </a:effectRef>
+          <a:fontRef idx="minor">
+            <a:schemeClr val="dk1"/>
+          </a:fontRef>
+        </p:style>
+        <p:txBody>
+          <a:bodyPr rtlCol="0" anchor="ctr"/>
+          <a:p>
+            <a:pPr algn="ctr"/>
+            <a:r>
+              <a:rPr lang="en-US" sz="1000" b="1">
+                <a:solidFill>
+                  <a:schemeClr val="tx1"/>
+                </a:solidFill>
+              </a:rPr>
+              <a:t>8</a:t>
+            </a:r>
+            <a:endParaRPr lang="en-US" sz="1000" b="1">
+              <a:solidFill>
+                <a:schemeClr val="tx1"/>
+              </a:solidFill>
+            </a:endParaRPr>
+          </a:p>
+        </p:txBody>
+      </p:sp>
+      <p:sp>
+        <p:nvSpPr>
+          <p:cNvPr id="13" name="Oval 12"/>
+          <p:cNvSpPr/>
+          <p:nvPr/>
+        </p:nvSpPr>
+        <p:spPr>
+          <a:xfrm>
+            <a:off x="5798185" y="3394075"/>
+            <a:ext cx="491490" cy="463550"/>
+          </a:xfrm>
+          <a:prstGeom prst="ellipse">
+            <a:avLst/>
+          </a:prstGeom>
+        </p:spPr>
+        <p:style>
+          <a:lnRef idx="1">
+            <a:schemeClr val="accent4"/>
+          </a:lnRef>
+          <a:fillRef idx="2">
+            <a:schemeClr val="accent4"/>
+          </a:fillRef>
+          <a:effectRef idx="1">
+            <a:schemeClr val="accent4"/>
+          </a:effectRef>
+          <a:fontRef idx="minor">
+            <a:schemeClr val="dk1"/>
+          </a:fontRef>
+        </p:style>
+        <p:txBody>
+          <a:bodyPr rtlCol="0" anchor="ctr"/>
+          <a:p>
+            <a:pPr algn="ctr"/>
+            <a:r>
+              <a:rPr lang="en-US" sz="1000" b="1">
+                <a:solidFill>
+                  <a:schemeClr val="tx1"/>
+                </a:solidFill>
+              </a:rPr>
+              <a:t>9</a:t>
+            </a:r>
+            <a:endParaRPr lang="en-US" sz="1000" b="1">
+              <a:solidFill>
+                <a:schemeClr val="tx1"/>
+              </a:solidFill>
+            </a:endParaRPr>
+          </a:p>
+        </p:txBody>
+      </p:sp>
+      <p:sp>
+        <p:nvSpPr>
+          <p:cNvPr id="14" name="Oval 13"/>
+          <p:cNvSpPr/>
+          <p:nvPr/>
+        </p:nvSpPr>
+        <p:spPr>
+          <a:xfrm>
+            <a:off x="8117840" y="3389630"/>
+            <a:ext cx="491490" cy="463550"/>
+          </a:xfrm>
+          <a:prstGeom prst="ellipse">
+            <a:avLst/>
+          </a:prstGeom>
+        </p:spPr>
+        <p:style>
+          <a:lnRef idx="1">
+            <a:schemeClr val="accent4"/>
+          </a:lnRef>
+          <a:fillRef idx="2">
+            <a:schemeClr val="accent4"/>
+          </a:fillRef>
+          <a:effectRef idx="1">
+            <a:schemeClr val="accent4"/>
+          </a:effectRef>
+          <a:fontRef idx="minor">
+            <a:schemeClr val="dk1"/>
+          </a:fontRef>
+        </p:style>
+        <p:txBody>
+          <a:bodyPr rtlCol="0" anchor="ctr"/>
+          <a:p>
+            <a:pPr algn="ctr"/>
+            <a:r>
+              <a:rPr lang="en-US" sz="1000" b="1">
+                <a:solidFill>
+                  <a:schemeClr val="tx1"/>
+                </a:solidFill>
+              </a:rPr>
+              <a:t>11</a:t>
+            </a:r>
+            <a:endParaRPr lang="en-US" sz="1000" b="1">
+              <a:solidFill>
+                <a:schemeClr val="tx1"/>
+              </a:solidFill>
+            </a:endParaRPr>
+          </a:p>
+        </p:txBody>
+      </p:sp>
+      <p:sp>
+        <p:nvSpPr>
+          <p:cNvPr id="16" name="Oval 15"/>
+          <p:cNvSpPr/>
+          <p:nvPr/>
+        </p:nvSpPr>
+        <p:spPr>
+          <a:xfrm>
+            <a:off x="9438640" y="3394075"/>
+            <a:ext cx="491490" cy="463550"/>
+          </a:xfrm>
+          <a:prstGeom prst="ellipse">
+            <a:avLst/>
+          </a:prstGeom>
+        </p:spPr>
+        <p:style>
+          <a:lnRef idx="1">
+            <a:schemeClr val="accent4"/>
+          </a:lnRef>
+          <a:fillRef idx="2">
+            <a:schemeClr val="accent4"/>
+          </a:fillRef>
+          <a:effectRef idx="1">
+            <a:schemeClr val="accent4"/>
+          </a:effectRef>
+          <a:fontRef idx="minor">
+            <a:schemeClr val="dk1"/>
+          </a:fontRef>
+        </p:style>
+        <p:txBody>
+          <a:bodyPr rtlCol="0" anchor="ctr"/>
+          <a:p>
+            <a:pPr algn="ctr"/>
+            <a:r>
+              <a:rPr lang="en-US" sz="1000" b="1">
+                <a:solidFill>
+                  <a:schemeClr val="tx1"/>
+                </a:solidFill>
+              </a:rPr>
+              <a:t>12</a:t>
+            </a:r>
+            <a:endParaRPr lang="en-US" sz="1000" b="1">
+              <a:solidFill>
+                <a:schemeClr val="tx1"/>
+              </a:solidFill>
+            </a:endParaRPr>
+          </a:p>
+        </p:txBody>
+      </p:sp>
+      <p:cxnSp>
+        <p:nvCxnSpPr>
+          <p:cNvPr id="23" name="Straight Connector 22"/>
+          <p:cNvCxnSpPr>
+            <a:stCxn id="3" idx="4"/>
+            <a:endCxn id="4" idx="0"/>
+          </p:cNvCxnSpPr>
+          <p:nvPr/>
+        </p:nvCxnSpPr>
+        <p:spPr>
+          <a:xfrm flipH="1">
+            <a:off x="3500120" y="1694180"/>
+            <a:ext cx="2301240" cy="325120"/>
+          </a:xfrm>
+          <a:prstGeom prst="line">
+            <a:avLst/>
+          </a:prstGeom>
+        </p:spPr>
+        <p:style>
+          <a:lnRef idx="1">
+            <a:schemeClr val="dk1"/>
+          </a:lnRef>
+          <a:fillRef idx="0">
+            <a:schemeClr val="dk1"/>
+          </a:fillRef>
+          <a:effectRef idx="0">
+            <a:schemeClr val="dk1"/>
+          </a:effectRef>
+          <a:fontRef idx="minor">
+            <a:schemeClr val="tx1"/>
+          </a:fontRef>
+        </p:style>
+      </p:cxnSp>
+      <p:cxnSp>
+        <p:nvCxnSpPr>
+          <p:cNvPr id="24" name="Straight Connector 23"/>
+          <p:cNvCxnSpPr>
+            <a:stCxn id="6" idx="4"/>
+            <a:endCxn id="9" idx="0"/>
+          </p:cNvCxnSpPr>
+          <p:nvPr/>
+        </p:nvCxnSpPr>
+        <p:spPr>
+          <a:xfrm flipH="1">
+            <a:off x="7324090" y="2482850"/>
+            <a:ext cx="1522095" cy="227330"/>
+          </a:xfrm>
+          <a:prstGeom prst="line">
+            <a:avLst/>
+          </a:prstGeom>
+        </p:spPr>
+        <p:style>
+          <a:lnRef idx="1">
+            <a:schemeClr val="dk1"/>
+          </a:lnRef>
+          <a:fillRef idx="0">
+            <a:schemeClr val="dk1"/>
+          </a:fillRef>
+          <a:effectRef idx="0">
+            <a:schemeClr val="dk1"/>
+          </a:effectRef>
+          <a:fontRef idx="minor">
+            <a:schemeClr val="tx1"/>
+          </a:fontRef>
+        </p:style>
+      </p:cxnSp>
+      <p:cxnSp>
+        <p:nvCxnSpPr>
+          <p:cNvPr id="25" name="Straight Connector 24"/>
+          <p:cNvCxnSpPr>
+            <a:stCxn id="6" idx="0"/>
+            <a:endCxn id="3" idx="4"/>
+          </p:cNvCxnSpPr>
+          <p:nvPr/>
+        </p:nvCxnSpPr>
+        <p:spPr>
+          <a:xfrm flipH="1" flipV="1">
+            <a:off x="5801360" y="1694180"/>
+            <a:ext cx="3044825" cy="325120"/>
+          </a:xfrm>
+          <a:prstGeom prst="line">
+            <a:avLst/>
+          </a:prstGeom>
+        </p:spPr>
+        <p:style>
+          <a:lnRef idx="1">
+            <a:schemeClr val="dk1"/>
+          </a:lnRef>
+          <a:fillRef idx="0">
+            <a:schemeClr val="dk1"/>
+          </a:fillRef>
+          <a:effectRef idx="0">
+            <a:schemeClr val="dk1"/>
+          </a:effectRef>
+          <a:fontRef idx="minor">
+            <a:schemeClr val="tx1"/>
+          </a:fontRef>
+        </p:style>
+      </p:cxnSp>
+      <p:cxnSp>
+        <p:nvCxnSpPr>
+          <p:cNvPr id="26" name="Straight Connector 25"/>
+          <p:cNvCxnSpPr>
+            <a:stCxn id="9" idx="4"/>
+            <a:endCxn id="13" idx="0"/>
+          </p:cNvCxnSpPr>
+          <p:nvPr/>
+        </p:nvCxnSpPr>
+        <p:spPr>
+          <a:xfrm flipH="1">
+            <a:off x="6043930" y="3173730"/>
+            <a:ext cx="1280160" cy="220345"/>
+          </a:xfrm>
+          <a:prstGeom prst="line">
+            <a:avLst/>
+          </a:prstGeom>
+        </p:spPr>
+        <p:style>
+          <a:lnRef idx="1">
+            <a:schemeClr val="dk1"/>
+          </a:lnRef>
+          <a:fillRef idx="0">
+            <a:schemeClr val="dk1"/>
+          </a:fillRef>
+          <a:effectRef idx="0">
+            <a:schemeClr val="dk1"/>
+          </a:effectRef>
+          <a:fontRef idx="minor">
+            <a:schemeClr val="tx1"/>
+          </a:fontRef>
+        </p:style>
+      </p:cxnSp>
+      <p:cxnSp>
+        <p:nvCxnSpPr>
+          <p:cNvPr id="27" name="Straight Connector 26"/>
+          <p:cNvCxnSpPr>
+            <a:stCxn id="7" idx="4"/>
+            <a:endCxn id="12" idx="0"/>
+          </p:cNvCxnSpPr>
+          <p:nvPr/>
+        </p:nvCxnSpPr>
+        <p:spPr>
+          <a:xfrm>
+            <a:off x="2009775" y="3173730"/>
+            <a:ext cx="1358265" cy="220345"/>
+          </a:xfrm>
+          <a:prstGeom prst="line">
+            <a:avLst/>
+          </a:prstGeom>
+        </p:spPr>
+        <p:style>
+          <a:lnRef idx="1">
+            <a:schemeClr val="dk1"/>
+          </a:lnRef>
+          <a:fillRef idx="0">
+            <a:schemeClr val="dk1"/>
+          </a:fillRef>
+          <a:effectRef idx="0">
+            <a:schemeClr val="dk1"/>
+          </a:effectRef>
+          <a:fontRef idx="minor">
+            <a:schemeClr val="tx1"/>
+          </a:fontRef>
+        </p:style>
+      </p:cxnSp>
+      <p:cxnSp>
+        <p:nvCxnSpPr>
+          <p:cNvPr id="28" name="Straight Connector 27"/>
+          <p:cNvCxnSpPr>
+            <a:stCxn id="7" idx="4"/>
+            <a:endCxn id="11" idx="0"/>
+          </p:cNvCxnSpPr>
+          <p:nvPr/>
+        </p:nvCxnSpPr>
+        <p:spPr>
+          <a:xfrm flipH="1">
+            <a:off x="692150" y="3173730"/>
+            <a:ext cx="1317625" cy="215900"/>
+          </a:xfrm>
+          <a:prstGeom prst="line">
+            <a:avLst/>
+          </a:prstGeom>
+        </p:spPr>
+        <p:style>
+          <a:lnRef idx="1">
+            <a:schemeClr val="dk1"/>
+          </a:lnRef>
+          <a:fillRef idx="0">
+            <a:schemeClr val="dk1"/>
+          </a:fillRef>
+          <a:effectRef idx="0">
+            <a:schemeClr val="dk1"/>
+          </a:effectRef>
+          <a:fontRef idx="minor">
+            <a:schemeClr val="tx1"/>
+          </a:fontRef>
+        </p:style>
+      </p:cxnSp>
+      <p:cxnSp>
+        <p:nvCxnSpPr>
+          <p:cNvPr id="29" name="Straight Connector 28"/>
+          <p:cNvCxnSpPr>
+            <a:stCxn id="4" idx="4"/>
+            <a:endCxn id="7" idx="0"/>
+          </p:cNvCxnSpPr>
+          <p:nvPr/>
+        </p:nvCxnSpPr>
+        <p:spPr>
+          <a:xfrm flipH="1">
+            <a:off x="2009775" y="2482850"/>
+            <a:ext cx="1490345" cy="227330"/>
+          </a:xfrm>
+          <a:prstGeom prst="line">
+            <a:avLst/>
+          </a:prstGeom>
+        </p:spPr>
+        <p:style>
+          <a:lnRef idx="1">
+            <a:schemeClr val="dk1"/>
+          </a:lnRef>
+          <a:fillRef idx="0">
+            <a:schemeClr val="dk1"/>
+          </a:fillRef>
+          <a:effectRef idx="0">
+            <a:schemeClr val="dk1"/>
+          </a:effectRef>
+          <a:fontRef idx="minor">
+            <a:schemeClr val="tx1"/>
+          </a:fontRef>
+        </p:style>
+      </p:cxnSp>
+      <p:cxnSp>
+        <p:nvCxnSpPr>
+          <p:cNvPr id="30" name="Straight Connector 29"/>
+          <p:cNvCxnSpPr>
+            <a:stCxn id="9" idx="4"/>
+            <a:endCxn id="14" idx="0"/>
+          </p:cNvCxnSpPr>
+          <p:nvPr/>
+        </p:nvCxnSpPr>
+        <p:spPr>
+          <a:xfrm>
+            <a:off x="7324090" y="3173730"/>
+            <a:ext cx="1039495" cy="215900"/>
+          </a:xfrm>
+          <a:prstGeom prst="line">
+            <a:avLst/>
+          </a:prstGeom>
+        </p:spPr>
+        <p:style>
+          <a:lnRef idx="1">
+            <a:schemeClr val="dk1"/>
+          </a:lnRef>
+          <a:fillRef idx="0">
+            <a:schemeClr val="dk1"/>
+          </a:fillRef>
+          <a:effectRef idx="0">
+            <a:schemeClr val="dk1"/>
+          </a:effectRef>
+          <a:fontRef idx="minor">
+            <a:schemeClr val="tx1"/>
+          </a:fontRef>
+        </p:style>
+      </p:cxnSp>
+      <p:cxnSp>
+        <p:nvCxnSpPr>
+          <p:cNvPr id="31" name="Straight Connector 30"/>
+          <p:cNvCxnSpPr>
+            <a:stCxn id="6" idx="4"/>
+            <a:endCxn id="10" idx="0"/>
+          </p:cNvCxnSpPr>
+          <p:nvPr/>
+        </p:nvCxnSpPr>
+        <p:spPr>
+          <a:xfrm>
+            <a:off x="8846185" y="2482850"/>
+            <a:ext cx="1598295" cy="227330"/>
+          </a:xfrm>
+          <a:prstGeom prst="line">
+            <a:avLst/>
+          </a:prstGeom>
+        </p:spPr>
+        <p:style>
+          <a:lnRef idx="1">
+            <a:schemeClr val="dk1"/>
+          </a:lnRef>
+          <a:fillRef idx="0">
+            <a:schemeClr val="dk1"/>
+          </a:fillRef>
+          <a:effectRef idx="0">
+            <a:schemeClr val="dk1"/>
+          </a:effectRef>
+          <a:fontRef idx="minor">
+            <a:schemeClr val="tx1"/>
+          </a:fontRef>
+        </p:style>
+      </p:cxnSp>
+      <p:cxnSp>
+        <p:nvCxnSpPr>
+          <p:cNvPr id="32" name="Straight Connector 31"/>
+          <p:cNvCxnSpPr>
+            <a:stCxn id="16" idx="0"/>
+            <a:endCxn id="10" idx="4"/>
+          </p:cNvCxnSpPr>
+          <p:nvPr/>
+        </p:nvCxnSpPr>
+        <p:spPr>
+          <a:xfrm flipV="1">
+            <a:off x="9684385" y="3173730"/>
+            <a:ext cx="760095" cy="220345"/>
+          </a:xfrm>
+          <a:prstGeom prst="line">
+            <a:avLst/>
+          </a:prstGeom>
+        </p:spPr>
+        <p:style>
+          <a:lnRef idx="1">
+            <a:schemeClr val="dk1"/>
+          </a:lnRef>
+          <a:fillRef idx="0">
+            <a:schemeClr val="dk1"/>
+          </a:fillRef>
+          <a:effectRef idx="0">
+            <a:schemeClr val="dk1"/>
+          </a:effectRef>
+          <a:fontRef idx="minor">
+            <a:schemeClr val="tx1"/>
+          </a:fontRef>
+        </p:style>
+      </p:cxnSp>
+      <p:sp>
+        <p:nvSpPr>
+          <p:cNvPr id="63" name="Text Box 62"/>
+          <p:cNvSpPr txBox="1"/>
+          <p:nvPr/>
+        </p:nvSpPr>
+        <p:spPr>
+          <a:xfrm>
+            <a:off x="4184015" y="2113280"/>
+            <a:ext cx="3045460" cy="460375"/>
+          </a:xfrm>
+          <a:prstGeom prst="rect">
+            <a:avLst/>
+          </a:prstGeom>
+          <a:noFill/>
+        </p:spPr>
+        <p:txBody>
+          <a:bodyPr wrap="square" rtlCol="0">
+            <a:spAutoFit/>
+          </a:bodyPr>
+          <a:p>
+            <a:r>
+              <a:rPr lang="en-US" altLang="zh-CN" sz="1200" b="1">
+                <a:solidFill>
+                  <a:srgbClr val="C00000"/>
+                </a:solidFill>
+              </a:rPr>
+              <a:t>                    </a:t>
+            </a:r>
+            <a:r>
+              <a:rPr lang="zh-CN" altLang="en-US" sz="1200" b="1">
+                <a:solidFill>
+                  <a:srgbClr val="C00000"/>
+                </a:solidFill>
+              </a:rPr>
+              <a:t>后序遍历</a:t>
+            </a:r>
+            <a:endParaRPr lang="en-US" altLang="zh-CN" sz="1200" b="1">
+              <a:solidFill>
+                <a:srgbClr val="C00000"/>
+              </a:solidFill>
+            </a:endParaRPr>
+          </a:p>
+          <a:p>
+            <a:r>
+              <a:rPr lang="en-US" altLang="zh-CN" sz="1200" b="1">
+                <a:solidFill>
+                  <a:srgbClr val="C00000"/>
+                </a:solidFill>
+              </a:rPr>
+              <a:t>7</a:t>
+            </a:r>
+            <a:r>
+              <a:rPr lang="zh-CN" altLang="en-US" sz="1200" b="1">
+                <a:solidFill>
+                  <a:srgbClr val="C00000"/>
+                </a:solidFill>
+              </a:rPr>
+              <a:t>，</a:t>
+            </a:r>
+            <a:r>
+              <a:rPr lang="en-US" altLang="zh-CN" sz="1200" b="1">
+                <a:solidFill>
+                  <a:srgbClr val="C00000"/>
+                </a:solidFill>
+              </a:rPr>
+              <a:t>8</a:t>
+            </a:r>
+            <a:r>
+              <a:rPr lang="zh-CN" altLang="en-US" sz="1200" b="1">
+                <a:solidFill>
+                  <a:srgbClr val="C00000"/>
+                </a:solidFill>
+              </a:rPr>
+              <a:t>，</a:t>
+            </a:r>
+            <a:r>
+              <a:rPr lang="en-US" altLang="zh-CN" sz="1200" b="1">
+                <a:solidFill>
+                  <a:srgbClr val="C00000"/>
+                </a:solidFill>
+              </a:rPr>
+              <a:t>4</a:t>
+            </a:r>
+            <a:r>
+              <a:rPr lang="zh-CN" altLang="en-US" sz="1200" b="1">
+                <a:solidFill>
+                  <a:srgbClr val="C00000"/>
+                </a:solidFill>
+              </a:rPr>
+              <a:t>，</a:t>
+            </a:r>
+            <a:r>
+              <a:rPr lang="en-US" altLang="zh-CN" sz="1200" b="1">
+                <a:solidFill>
+                  <a:srgbClr val="C00000"/>
+                </a:solidFill>
+              </a:rPr>
+              <a:t>2</a:t>
+            </a:r>
+            <a:r>
+              <a:rPr lang="zh-CN" altLang="en-US" sz="1200" b="1">
+                <a:solidFill>
+                  <a:srgbClr val="C00000"/>
+                </a:solidFill>
+              </a:rPr>
+              <a:t>，</a:t>
+            </a:r>
+            <a:r>
+              <a:rPr lang="en-US" altLang="zh-CN" sz="1200" b="1">
+                <a:solidFill>
+                  <a:srgbClr val="C00000"/>
+                </a:solidFill>
+              </a:rPr>
+              <a:t> 9</a:t>
+            </a:r>
+            <a:r>
+              <a:rPr lang="zh-CN" altLang="en-US" sz="1200" b="1">
+                <a:solidFill>
+                  <a:srgbClr val="C00000"/>
+                </a:solidFill>
+              </a:rPr>
+              <a:t>，</a:t>
+            </a:r>
+            <a:r>
+              <a:rPr lang="en-US" altLang="zh-CN" sz="1200" b="1">
+                <a:solidFill>
+                  <a:srgbClr val="C00000"/>
+                </a:solidFill>
+              </a:rPr>
+              <a:t>11</a:t>
+            </a:r>
+            <a:r>
+              <a:rPr lang="zh-CN" altLang="en-US" sz="1200" b="1">
+                <a:solidFill>
+                  <a:srgbClr val="C00000"/>
+                </a:solidFill>
+              </a:rPr>
+              <a:t>，</a:t>
+            </a:r>
+            <a:r>
+              <a:rPr lang="en-US" altLang="zh-CN" sz="1200" b="1">
+                <a:solidFill>
+                  <a:srgbClr val="C00000"/>
+                </a:solidFill>
+              </a:rPr>
+              <a:t>5</a:t>
+            </a:r>
+            <a:r>
+              <a:rPr lang="zh-CN" altLang="en-US" sz="1200" b="1">
+                <a:solidFill>
+                  <a:srgbClr val="C00000"/>
+                </a:solidFill>
+              </a:rPr>
+              <a:t>，</a:t>
+            </a:r>
+            <a:r>
+              <a:rPr lang="en-US" altLang="zh-CN" sz="1200" b="1">
+                <a:solidFill>
+                  <a:srgbClr val="C00000"/>
+                </a:solidFill>
+              </a:rPr>
+              <a:t>12</a:t>
+            </a:r>
+            <a:r>
+              <a:rPr lang="zh-CN" altLang="en-US" sz="1200" b="1">
+                <a:solidFill>
+                  <a:srgbClr val="C00000"/>
+                </a:solidFill>
+              </a:rPr>
+              <a:t>，</a:t>
+            </a:r>
+            <a:r>
+              <a:rPr lang="en-US" altLang="zh-CN" sz="1200" b="1">
+                <a:solidFill>
+                  <a:srgbClr val="C00000"/>
+                </a:solidFill>
+              </a:rPr>
+              <a:t>6</a:t>
+            </a:r>
+            <a:r>
+              <a:rPr lang="zh-CN" altLang="en-US" sz="1200" b="1">
+                <a:solidFill>
+                  <a:srgbClr val="C00000"/>
+                </a:solidFill>
+              </a:rPr>
+              <a:t>，</a:t>
+            </a:r>
+            <a:r>
+              <a:rPr lang="en-US" altLang="zh-CN" sz="1200" b="1">
+                <a:solidFill>
+                  <a:srgbClr val="C00000"/>
+                </a:solidFill>
+              </a:rPr>
+              <a:t>3</a:t>
+            </a:r>
+            <a:r>
+              <a:rPr lang="zh-CN" altLang="en-US" sz="1200" b="1">
+                <a:solidFill>
+                  <a:srgbClr val="C00000"/>
+                </a:solidFill>
+              </a:rPr>
+              <a:t>，</a:t>
+            </a:r>
+            <a:r>
+              <a:rPr lang="en-US" altLang="zh-CN" sz="1200" b="1">
+                <a:solidFill>
+                  <a:srgbClr val="C00000"/>
+                </a:solidFill>
+              </a:rPr>
+              <a:t>1</a:t>
+            </a:r>
+            <a:endParaRPr lang="en-US" altLang="zh-CN" sz="1200" b="1">
+              <a:solidFill>
+                <a:srgbClr val="C00000"/>
+              </a:solidFill>
+            </a:endParaRPr>
+          </a:p>
+        </p:txBody>
+      </p:sp>
     </p:spTree>
   </p:cSld>
   <p:clrMapOvr>
